--- a/Doc/JPIERE-0098_MatrixWindow.pptx
+++ b/Doc/JPIERE-0098_MatrixWindow.pptx
@@ -2012,7 +2012,7 @@
           <a:p>
             <a:fld id="{D2B9E0EA-6101-4826-8EB2-593C6C3A4928}" type="datetimeFigureOut">
               <a:rPr kumimoji="1" lang="ja-JP" altLang="en-US" smtClean="0"/>
-              <a:t>2015/7/29</a:t>
+              <a:t>2015/7/31</a:t>
             </a:fld>
             <a:endParaRPr kumimoji="1" lang="ja-JP" altLang="en-US"/>
           </a:p>
@@ -2696,19 +2696,26 @@
           <a:bodyPr/>
           <a:lstStyle/>
           <a:p>
-            <a:r>
-              <a:rPr lang="en-US" altLang="ja-JP" dirty="0"/>
-              <a:t>【</a:t>
-            </a:r>
-            <a:r>
-              <a:rPr lang="ja-JP" altLang="en-US" dirty="0" smtClean="0"/>
-              <a:t>マトリクスウィンドウの設定</a:t>
-            </a:r>
-            <a:r>
-              <a:rPr lang="en-US" altLang="ja-JP" dirty="0" smtClean="0"/>
-              <a:t>】</a:t>
-            </a:r>
-            <a:endParaRPr kumimoji="1" lang="ja-JP" altLang="en-US" dirty="0"/>
+            <a:pPr>
+              <a:defRPr/>
+            </a:pPr>
+            <a:r>
+              <a:rPr lang="en-US" altLang="ja-JP" dirty="0">
+                <a:solidFill>
+                  <a:schemeClr val="tx2">
+                    <a:lumMod val="75000"/>
+                  </a:schemeClr>
+                </a:solidFill>
+              </a:rPr>
+              <a:t>Configurations</a:t>
+            </a:r>
+            <a:endParaRPr lang="ja-JP" altLang="en-US" dirty="0">
+              <a:solidFill>
+                <a:schemeClr val="tx2">
+                  <a:lumMod val="75000"/>
+                </a:schemeClr>
+              </a:solidFill>
+            </a:endParaRPr>
           </a:p>
         </p:txBody>
       </p:sp>
@@ -2795,8 +2802,8 @@
               <a:defRPr/>
             </a:pPr>
             <a:r>
-              <a:rPr lang="ja-JP" altLang="en-US" sz="800" dirty="0" smtClean="0"/>
-              <a:t>マトリクスウィンドウ</a:t>
+              <a:rPr lang="en-US" altLang="ja-JP" sz="800" dirty="0" smtClean="0"/>
+              <a:t>Matrix Window</a:t>
             </a:r>
             <a:endParaRPr lang="ja-JP" altLang="en-US" sz="800" dirty="0"/>
           </a:p>
@@ -3754,16 +3761,16 @@
               <a:t>[ </a:t>
             </a:r>
             <a:r>
-              <a:rPr lang="ja-JP" altLang="en-US" sz="800" dirty="0" smtClean="0"/>
-              <a:t>選択レコード</a:t>
+              <a:rPr lang="en-US" altLang="ja-JP" sz="800" dirty="0" err="1" smtClean="0"/>
+              <a:t>Num</a:t>
             </a:r>
             <a:r>
               <a:rPr lang="en-US" altLang="ja-JP" sz="800" dirty="0" smtClean="0"/>
               <a:t>/</a:t>
             </a:r>
             <a:r>
-              <a:rPr lang="ja-JP" altLang="en-US" sz="800" dirty="0" smtClean="0"/>
-              <a:t>表示レコード数</a:t>
+              <a:rPr lang="en-US" altLang="ja-JP" sz="800" dirty="0" err="1" smtClean="0"/>
+              <a:t>Num</a:t>
             </a:r>
             <a:r>
               <a:rPr lang="en-US" altLang="ja-JP" sz="800" dirty="0" smtClean="0"/>
@@ -3942,14 +3949,24 @@
           <a:p>
             <a:pPr algn="ctr"/>
             <a:r>
-              <a:rPr lang="ja-JP" altLang="en-US" sz="1050" dirty="0" smtClean="0">
+              <a:rPr lang="en-US" altLang="ja-JP" sz="1050" dirty="0" smtClean="0">
                 <a:solidFill>
                   <a:schemeClr val="tx1"/>
                 </a:solidFill>
                 <a:latin typeface="HGPｺﾞｼｯｸM" pitchFamily="50" charset="-128"/>
                 <a:ea typeface="HGPｺﾞｼｯｸM" pitchFamily="50" charset="-128"/>
               </a:rPr>
-              <a:t>マトリクスウィンドウ</a:t>
+              <a:t>Matrix </a:t>
+            </a:r>
+            <a:r>
+              <a:rPr lang="en-US" altLang="ja-JP" sz="1050" dirty="0" err="1" smtClean="0">
+                <a:solidFill>
+                  <a:schemeClr val="tx1"/>
+                </a:solidFill>
+                <a:latin typeface="HGPｺﾞｼｯｸM" pitchFamily="50" charset="-128"/>
+                <a:ea typeface="HGPｺﾞｼｯｸM" pitchFamily="50" charset="-128"/>
+              </a:rPr>
+              <a:t>WIndow</a:t>
             </a:r>
             <a:endParaRPr lang="ja-JP" altLang="en-US" sz="1050" dirty="0">
               <a:solidFill>
@@ -4002,14 +4019,14 @@
           <a:p>
             <a:pPr algn="r"/>
             <a:r>
-              <a:rPr lang="ja-JP" altLang="en-US" sz="800" dirty="0" smtClean="0">
+              <a:rPr lang="en-US" altLang="ja-JP" sz="800" dirty="0" smtClean="0">
                 <a:solidFill>
                   <a:schemeClr val="tx1"/>
                 </a:solidFill>
                 <a:latin typeface="HGPｺﾞｼｯｸM" pitchFamily="50" charset="-128"/>
                 <a:ea typeface="HGPｺﾞｼｯｸM" pitchFamily="50" charset="-128"/>
               </a:rPr>
-              <a:t>クライアント</a:t>
+              <a:t>Client*</a:t>
             </a:r>
             <a:endParaRPr lang="ja-JP" altLang="en-US" sz="800" dirty="0">
               <a:solidFill>
@@ -4132,14 +4149,14 @@
           <a:p>
             <a:pPr algn="r"/>
             <a:r>
-              <a:rPr lang="ja-JP" altLang="en-US" sz="800" dirty="0" smtClean="0">
+              <a:rPr lang="en-US" altLang="ja-JP" sz="800" dirty="0" smtClean="0">
                 <a:solidFill>
                   <a:schemeClr val="tx1"/>
                 </a:solidFill>
                 <a:latin typeface="HGPｺﾞｼｯｸM" pitchFamily="50" charset="-128"/>
                 <a:ea typeface="HGPｺﾞｼｯｸM" pitchFamily="50" charset="-128"/>
               </a:rPr>
-              <a:t>組織</a:t>
+              <a:t>Organization*</a:t>
             </a:r>
             <a:endParaRPr lang="ja-JP" altLang="en-US" sz="800" dirty="0">
               <a:solidFill>
@@ -4198,7 +4215,7 @@
           <a:p>
             <a:pPr algn="l"/>
             <a:r>
-              <a:rPr lang="ja-JP" altLang="en-US" sz="800" dirty="0" smtClean="0">
+              <a:rPr lang="en-US" altLang="ja-JP" sz="800" dirty="0" err="1" smtClean="0">
                 <a:solidFill>
                   <a:schemeClr val="tx1"/>
                 </a:solidFill>
@@ -4206,7 +4223,7 @@
                 <a:ea typeface="Meiryo UI" pitchFamily="50" charset="-128"/>
                 <a:cs typeface="Meiryo UI" pitchFamily="50" charset="-128"/>
               </a:rPr>
-              <a:t>納品実績明細</a:t>
+              <a:t>AD_Tab_ID</a:t>
             </a:r>
             <a:endParaRPr lang="ja-JP" altLang="en-US" sz="800" dirty="0">
               <a:solidFill>
@@ -4260,14 +4277,14 @@
           <a:p>
             <a:pPr algn="r"/>
             <a:r>
-              <a:rPr lang="ja-JP" altLang="en-US" sz="800" dirty="0" smtClean="0">
+              <a:rPr lang="en-US" altLang="ja-JP" sz="800" dirty="0" smtClean="0">
                 <a:solidFill>
                   <a:schemeClr val="tx1"/>
                 </a:solidFill>
                 <a:latin typeface="HGPｺﾞｼｯｸM" pitchFamily="50" charset="-128"/>
                 <a:ea typeface="HGPｺﾞｼｯｸM" pitchFamily="50" charset="-128"/>
               </a:rPr>
-              <a:t>タブ</a:t>
+              <a:t>Tab</a:t>
             </a:r>
             <a:r>
               <a:rPr lang="en-US" altLang="ja-JP" sz="800" dirty="0" smtClean="0">
@@ -4335,17 +4352,6 @@
           <a:lstStyle/>
           <a:p>
             <a:pPr algn="l"/>
-            <a:r>
-              <a:rPr lang="ja-JP" altLang="en-US" sz="800" dirty="0" smtClean="0">
-                <a:solidFill>
-                  <a:schemeClr val="tx1"/>
-                </a:solidFill>
-                <a:latin typeface="Meiryo UI" pitchFamily="50" charset="-128"/>
-                <a:ea typeface="Meiryo UI" pitchFamily="50" charset="-128"/>
-                <a:cs typeface="Meiryo UI" pitchFamily="50" charset="-128"/>
-              </a:rPr>
-              <a:t>品目</a:t>
-            </a:r>
             <a:endParaRPr lang="ja-JP" altLang="en-US" sz="800" dirty="0">
               <a:solidFill>
                 <a:schemeClr val="tx1"/>
@@ -4398,14 +4404,14 @@
           <a:p>
             <a:pPr algn="r"/>
             <a:r>
-              <a:rPr lang="ja-JP" altLang="en-US" sz="800" dirty="0" smtClean="0">
+              <a:rPr lang="en-US" altLang="ja-JP" sz="800" dirty="0" smtClean="0">
                 <a:solidFill>
                   <a:schemeClr val="tx1"/>
                 </a:solidFill>
                 <a:latin typeface="HGPｺﾞｼｯｸM" pitchFamily="50" charset="-128"/>
                 <a:ea typeface="HGPｺﾞｼｯｸM" pitchFamily="50" charset="-128"/>
               </a:rPr>
-              <a:t>列キーフィールド</a:t>
+              <a:t>Matrix Column Key</a:t>
             </a:r>
             <a:r>
               <a:rPr lang="en-US" altLang="ja-JP" sz="800" dirty="0" smtClean="0">
@@ -4473,17 +4479,6 @@
           <a:lstStyle/>
           <a:p>
             <a:pPr algn="l"/>
-            <a:r>
-              <a:rPr lang="ja-JP" altLang="en-US" sz="800" dirty="0" smtClean="0">
-                <a:solidFill>
-                  <a:schemeClr val="tx1"/>
-                </a:solidFill>
-                <a:latin typeface="Meiryo UI" pitchFamily="50" charset="-128"/>
-                <a:ea typeface="Meiryo UI" pitchFamily="50" charset="-128"/>
-                <a:cs typeface="Meiryo UI" pitchFamily="50" charset="-128"/>
-              </a:rPr>
-              <a:t>納品日</a:t>
-            </a:r>
             <a:endParaRPr lang="ja-JP" altLang="en-US" sz="800" dirty="0">
               <a:solidFill>
                 <a:schemeClr val="tx1"/>
@@ -4536,14 +4531,14 @@
           <a:p>
             <a:pPr algn="r"/>
             <a:r>
-              <a:rPr lang="ja-JP" altLang="en-US" sz="800" dirty="0" smtClean="0">
+              <a:rPr lang="en-US" altLang="ja-JP" sz="800" dirty="0" smtClean="0">
                 <a:solidFill>
                   <a:schemeClr val="tx1"/>
                 </a:solidFill>
                 <a:latin typeface="HGPｺﾞｼｯｸM" pitchFamily="50" charset="-128"/>
                 <a:ea typeface="HGPｺﾞｼｯｸM" pitchFamily="50" charset="-128"/>
               </a:rPr>
-              <a:t>行キーフィールド</a:t>
+              <a:t>Matrix Row Key</a:t>
             </a:r>
             <a:r>
               <a:rPr lang="en-US" altLang="ja-JP" sz="800" dirty="0" smtClean="0">
@@ -4612,7 +4607,7 @@
           <a:p>
             <a:pPr algn="l"/>
             <a:r>
-              <a:rPr lang="ja-JP" altLang="en-US" sz="800" dirty="0" smtClean="0">
+              <a:rPr lang="en-US" altLang="ja-JP" sz="800" dirty="0" err="1" smtClean="0">
                 <a:solidFill>
                   <a:schemeClr val="tx1"/>
                 </a:solidFill>
@@ -4620,7 +4615,7 @@
                 <a:ea typeface="Meiryo UI" pitchFamily="50" charset="-128"/>
                 <a:cs typeface="Meiryo UI" pitchFamily="50" charset="-128"/>
               </a:rPr>
-              <a:t>納品実績</a:t>
+              <a:t>AD_Window_ID</a:t>
             </a:r>
             <a:endParaRPr lang="ja-JP" altLang="en-US" sz="800" dirty="0">
               <a:solidFill>
@@ -4674,14 +4669,14 @@
           <a:p>
             <a:pPr algn="r"/>
             <a:r>
-              <a:rPr lang="ja-JP" altLang="en-US" sz="800" dirty="0" smtClean="0">
+              <a:rPr lang="en-US" altLang="ja-JP" sz="800" dirty="0" smtClean="0">
                 <a:solidFill>
                   <a:schemeClr val="tx1"/>
                 </a:solidFill>
                 <a:latin typeface="HGPｺﾞｼｯｸM" pitchFamily="50" charset="-128"/>
                 <a:ea typeface="HGPｺﾞｼｯｸM" pitchFamily="50" charset="-128"/>
               </a:rPr>
-              <a:t>ウィンドウ</a:t>
+              <a:t>Window</a:t>
             </a:r>
             <a:r>
               <a:rPr lang="en-US" altLang="ja-JP" sz="800" dirty="0" smtClean="0">
@@ -5052,14 +5047,14 @@
           <a:p>
             <a:pPr algn="r"/>
             <a:r>
-              <a:rPr lang="ja-JP" altLang="en-US" sz="800" dirty="0" smtClean="0">
+              <a:rPr lang="en-US" altLang="ja-JP" sz="800" dirty="0" smtClean="0">
                 <a:solidFill>
                   <a:schemeClr val="tx1"/>
                 </a:solidFill>
                 <a:latin typeface="HGPｺﾞｼｯｸM" pitchFamily="50" charset="-128"/>
                 <a:ea typeface="HGPｺﾞｼｯｸM" pitchFamily="50" charset="-128"/>
               </a:rPr>
-              <a:t>検索キー</a:t>
+              <a:t>Search Key</a:t>
             </a:r>
             <a:endParaRPr lang="ja-JP" altLang="en-US" sz="800" dirty="0">
               <a:solidFill>
@@ -5118,7 +5113,7 @@
           <a:p>
             <a:pPr algn="l"/>
             <a:r>
-              <a:rPr lang="ja-JP" altLang="en-US" sz="800" dirty="0" smtClean="0">
+              <a:rPr lang="en-US" altLang="ja-JP" sz="800" dirty="0" smtClean="0">
                 <a:solidFill>
                   <a:schemeClr val="tx1"/>
                 </a:solidFill>
@@ -5126,7 +5121,7 @@
                 <a:ea typeface="Meiryo UI" pitchFamily="50" charset="-128"/>
                 <a:cs typeface="Meiryo UI" pitchFamily="50" charset="-128"/>
               </a:rPr>
-              <a:t>納品実績</a:t>
+              <a:t>Matrix Window Name</a:t>
             </a:r>
             <a:endParaRPr lang="ja-JP" altLang="en-US" sz="800" dirty="0">
               <a:solidFill>
@@ -5180,14 +5175,14 @@
           <a:p>
             <a:pPr algn="r"/>
             <a:r>
-              <a:rPr lang="ja-JP" altLang="en-US" sz="800" dirty="0" smtClean="0">
+              <a:rPr lang="en-US" altLang="ja-JP" sz="800" dirty="0" smtClean="0">
                 <a:solidFill>
                   <a:schemeClr val="tx1"/>
                 </a:solidFill>
                 <a:latin typeface="HGPｺﾞｼｯｸM" pitchFamily="50" charset="-128"/>
                 <a:ea typeface="HGPｺﾞｼｯｸM" pitchFamily="50" charset="-128"/>
               </a:rPr>
-              <a:t>名称</a:t>
+              <a:t>Name</a:t>
             </a:r>
             <a:endParaRPr lang="ja-JP" altLang="en-US" sz="800" dirty="0">
               <a:solidFill>
@@ -5297,15 +5292,22 @@
           <a:p>
             <a:pPr algn="r"/>
             <a:r>
-              <a:rPr lang="ja-JP" altLang="en-US" sz="800" dirty="0">
+              <a:rPr lang="en-US" altLang="ja-JP" sz="800" dirty="0" smtClean="0">
                 <a:solidFill>
                   <a:schemeClr val="tx1"/>
                 </a:solidFill>
                 <a:latin typeface="HGPｺﾞｼｯｸM" pitchFamily="50" charset="-128"/>
                 <a:ea typeface="HGPｺﾞｼｯｸM" pitchFamily="50" charset="-128"/>
               </a:rPr>
-              <a:t>説明</a:t>
-            </a:r>
+              <a:t>Description</a:t>
+            </a:r>
+            <a:endParaRPr lang="ja-JP" altLang="en-US" sz="800" dirty="0">
+              <a:solidFill>
+                <a:schemeClr val="tx1"/>
+              </a:solidFill>
+              <a:latin typeface="HGPｺﾞｼｯｸM" pitchFamily="50" charset="-128"/>
+              <a:ea typeface="HGPｺﾞｼｯｸM" pitchFamily="50" charset="-128"/>
+            </a:endParaRPr>
           </a:p>
         </p:txBody>
       </p:sp>
@@ -5350,14 +5352,14 @@
           <a:p>
             <a:pPr algn="l"/>
             <a:r>
-              <a:rPr lang="ja-JP" altLang="en-US" sz="800" dirty="0" smtClean="0">
+              <a:rPr lang="en-US" altLang="ja-JP" sz="800" dirty="0" smtClean="0">
                 <a:solidFill>
                   <a:schemeClr val="tx1"/>
                 </a:solidFill>
                 <a:latin typeface="HGPｺﾞｼｯｸM" pitchFamily="50" charset="-128"/>
                 <a:ea typeface="HGPｺﾞｼｯｸM" pitchFamily="50" charset="-128"/>
               </a:rPr>
-              <a:t>アクティブ</a:t>
+              <a:t>Active</a:t>
             </a:r>
             <a:endParaRPr lang="ja-JP" altLang="en-US" sz="800" dirty="0">
               <a:solidFill>
@@ -5442,7 +5444,7 @@
         </p:nvSpPr>
         <p:spPr>
           <a:xfrm>
-            <a:off x="5362698" y="1268760"/>
+            <a:off x="5362698" y="1052736"/>
             <a:ext cx="3530478" cy="5256584"/>
           </a:xfrm>
           <a:prstGeom prst="rect">
@@ -5568,12 +5570,12 @@
               <a:buChar char="•"/>
             </a:pPr>
             <a:r>
-              <a:rPr lang="ja-JP" altLang="en-US" sz="1000" u="sng" dirty="0" smtClean="0">
-                <a:solidFill>
-                  <a:schemeClr val="tx1"/>
-                </a:solidFill>
-              </a:rPr>
-              <a:t>検索キー</a:t>
+              <a:rPr lang="en-US" altLang="ja-JP" sz="1000" u="sng" dirty="0" smtClean="0">
+                <a:solidFill>
+                  <a:schemeClr val="tx1"/>
+                </a:solidFill>
+              </a:rPr>
+              <a:t>Search Key</a:t>
             </a:r>
             <a:r>
               <a:rPr lang="en-US" altLang="ja-JP" sz="1000" dirty="0" smtClean="0">
@@ -5581,15 +5583,7 @@
                   <a:schemeClr val="tx1"/>
                 </a:solidFill>
               </a:rPr>
-              <a:t>…</a:t>
-            </a:r>
-            <a:r>
-              <a:rPr lang="ja-JP" altLang="en-US" sz="1000" dirty="0" smtClean="0">
-                <a:solidFill>
-                  <a:schemeClr val="tx1"/>
-                </a:solidFill>
-              </a:rPr>
-              <a:t>マトリクスウィンドウの設定を一意に識別するためのキー情報です。</a:t>
+              <a:t>…Identifier of Matrix Window.</a:t>
             </a:r>
             <a:endParaRPr lang="en-US" altLang="ja-JP" sz="1000" dirty="0" smtClean="0">
               <a:solidFill>
@@ -5603,12 +5597,12 @@
               <a:buChar char="•"/>
             </a:pPr>
             <a:r>
-              <a:rPr lang="ja-JP" altLang="en-US" sz="1000" u="sng" dirty="0" smtClean="0">
-                <a:solidFill>
-                  <a:schemeClr val="tx1"/>
-                </a:solidFill>
-              </a:rPr>
-              <a:t>名称</a:t>
+              <a:rPr lang="en-US" altLang="ja-JP" sz="1000" u="sng" dirty="0" smtClean="0">
+                <a:solidFill>
+                  <a:schemeClr val="tx1"/>
+                </a:solidFill>
+              </a:rPr>
+              <a:t>Name</a:t>
             </a:r>
             <a:r>
               <a:rPr lang="en-US" altLang="ja-JP" sz="1000" dirty="0" smtClean="0">
@@ -5616,15 +5610,7 @@
                   <a:schemeClr val="tx1"/>
                 </a:solidFill>
               </a:rPr>
-              <a:t>…</a:t>
-            </a:r>
-            <a:r>
-              <a:rPr lang="ja-JP" altLang="en-US" sz="1000" dirty="0" smtClean="0">
-                <a:solidFill>
-                  <a:schemeClr val="tx1"/>
-                </a:solidFill>
-              </a:rPr>
-              <a:t>マトリクスウィンドウの名称を設定します。</a:t>
+              <a:t>…Name of Matrix Window.</a:t>
             </a:r>
             <a:endParaRPr lang="en-US" altLang="ja-JP" sz="1000" dirty="0" smtClean="0">
               <a:solidFill>
@@ -5638,12 +5624,12 @@
               <a:buChar char="•"/>
             </a:pPr>
             <a:r>
-              <a:rPr lang="ja-JP" altLang="en-US" sz="1000" u="sng" dirty="0" smtClean="0">
-                <a:solidFill>
-                  <a:schemeClr val="tx1"/>
-                </a:solidFill>
-              </a:rPr>
-              <a:t>ウィンドウ</a:t>
+              <a:rPr lang="en-US" altLang="ja-JP" sz="1000" u="sng" dirty="0" smtClean="0">
+                <a:solidFill>
+                  <a:schemeClr val="tx1"/>
+                </a:solidFill>
+              </a:rPr>
+              <a:t>Window</a:t>
             </a:r>
             <a:r>
               <a:rPr lang="en-US" altLang="ja-JP" sz="1000" dirty="0" smtClean="0">
@@ -5651,15 +5637,45 @@
                   <a:schemeClr val="tx1"/>
                 </a:solidFill>
               </a:rPr>
+              <a:t>…Matrix Window is created from Window.</a:t>
+            </a:r>
+          </a:p>
+          <a:p>
+            <a:pPr marL="171450" indent="-171450">
+              <a:buFont typeface="Arial" panose="020B0604020202020204" pitchFamily="34" charset="0"/>
+              <a:buChar char="•"/>
+            </a:pPr>
+            <a:r>
+              <a:rPr lang="ja-JP" altLang="en-US" sz="1000" dirty="0" smtClean="0">
+                <a:solidFill>
+                  <a:schemeClr val="tx1"/>
+                </a:solidFill>
+              </a:rPr>
+              <a:t> </a:t>
+            </a:r>
+            <a:r>
+              <a:rPr lang="en-US" altLang="ja-JP" sz="1000" u="sng" dirty="0" smtClean="0">
+                <a:solidFill>
+                  <a:schemeClr val="tx1"/>
+                </a:solidFill>
+              </a:rPr>
+              <a:t>Tab</a:t>
+            </a:r>
+            <a:r>
+              <a:rPr lang="en-US" altLang="ja-JP" sz="1000" dirty="0" smtClean="0">
+                <a:solidFill>
+                  <a:schemeClr val="tx1"/>
+                </a:solidFill>
+              </a:rPr>
               <a:t>…</a:t>
             </a:r>
             <a:r>
-              <a:rPr lang="ja-JP" altLang="en-US" sz="1000" dirty="0" smtClean="0">
-                <a:solidFill>
-                  <a:schemeClr val="tx1"/>
-                </a:solidFill>
-              </a:rPr>
-              <a:t>マトリクスウィンドウを適用するウィンドウを選択入力します。</a:t>
+              <a:rPr lang="en-US" altLang="ja-JP" sz="1000" dirty="0" smtClean="0">
+                <a:solidFill>
+                  <a:schemeClr val="tx1"/>
+                </a:solidFill>
+              </a:rPr>
+              <a:t>Matrix Window is created from a Tab in the window. if tab is read only, Matrix Window become a read only window.</a:t>
             </a:r>
             <a:endParaRPr lang="en-US" altLang="ja-JP" sz="1000" dirty="0" smtClean="0">
               <a:solidFill>
@@ -5673,12 +5689,20 @@
               <a:buChar char="•"/>
             </a:pPr>
             <a:r>
-              <a:rPr lang="ja-JP" altLang="en-US" sz="1000" u="sng" dirty="0" smtClean="0">
-                <a:solidFill>
-                  <a:schemeClr val="tx1"/>
-                </a:solidFill>
-              </a:rPr>
-              <a:t>タブ</a:t>
+              <a:rPr lang="en-US" altLang="ja-JP" sz="1000" u="sng" dirty="0" smtClean="0">
+                <a:solidFill>
+                  <a:schemeClr val="tx1"/>
+                </a:solidFill>
+              </a:rPr>
+              <a:t>Page Size</a:t>
+            </a:r>
+            <a:r>
+              <a:rPr lang="en-US" altLang="ja-JP" sz="1000" dirty="0">
+                <a:solidFill>
+                  <a:schemeClr val="tx1"/>
+                </a:solidFill>
+              </a:rPr>
+              <a:t>… rows per </a:t>
             </a:r>
             <a:r>
               <a:rPr lang="en-US" altLang="ja-JP" sz="1000" dirty="0" smtClean="0">
@@ -5686,15 +5710,7 @@
                   <a:schemeClr val="tx1"/>
                 </a:solidFill>
               </a:rPr>
-              <a:t>…</a:t>
-            </a:r>
-            <a:r>
-              <a:rPr lang="ja-JP" altLang="en-US" sz="1000" dirty="0" smtClean="0">
-                <a:solidFill>
-                  <a:schemeClr val="tx1"/>
-                </a:solidFill>
-              </a:rPr>
-              <a:t>選択したウィンドウの中から、マトリクスウィンドウで編集したいタブを選択します。</a:t>
+              <a:t>page.</a:t>
             </a:r>
             <a:endParaRPr lang="en-US" altLang="ja-JP" sz="1000" dirty="0" smtClean="0">
               <a:solidFill>
@@ -5708,12 +5724,28 @@
               <a:buChar char="•"/>
             </a:pPr>
             <a:r>
-              <a:rPr lang="ja-JP" altLang="en-US" sz="1000" u="sng" dirty="0" smtClean="0">
-                <a:solidFill>
-                  <a:schemeClr val="tx1"/>
-                </a:solidFill>
-              </a:rPr>
-              <a:t>ページング行数</a:t>
+              <a:rPr lang="en-US" altLang="ja-JP" sz="1000" u="sng" dirty="0" smtClean="0">
+                <a:solidFill>
+                  <a:schemeClr val="tx1"/>
+                </a:solidFill>
+              </a:rPr>
+              <a:t>Matrix </a:t>
+            </a:r>
+            <a:r>
+              <a:rPr lang="en-US" altLang="ja-JP" sz="1000" u="sng" dirty="0" err="1" smtClean="0">
+                <a:solidFill>
+                  <a:schemeClr val="tx1"/>
+                </a:solidFill>
+              </a:rPr>
+              <a:t>Cokumn</a:t>
+            </a:r>
+            <a:r>
+              <a:rPr lang="en-US" altLang="ja-JP" sz="1000" u="sng" dirty="0" smtClean="0">
+                <a:solidFill>
+                  <a:schemeClr val="tx1"/>
+                </a:solidFill>
+              </a:rPr>
+              <a:t> Key</a:t>
             </a:r>
             <a:r>
               <a:rPr lang="en-US" altLang="ja-JP" sz="1000" dirty="0" smtClean="0">
@@ -5721,15 +5753,23 @@
                   <a:schemeClr val="tx1"/>
                 </a:solidFill>
               </a:rPr>
-              <a:t>…1</a:t>
-            </a:r>
-            <a:r>
-              <a:rPr lang="ja-JP" altLang="en-US" sz="1000" dirty="0" smtClean="0">
-                <a:solidFill>
-                  <a:schemeClr val="tx1"/>
-                </a:solidFill>
-              </a:rPr>
-              <a:t>ページに表示する行数を指定します。</a:t>
+              <a:t>…Select fields that Key of Column(X</a:t>
+            </a:r>
+            <a:r>
+              <a:rPr lang="en-US" altLang="ja-JP" sz="1000" dirty="0" smtClean="0">
+                <a:solidFill>
+                  <a:schemeClr val="tx1"/>
+                </a:solidFill>
+              </a:rPr>
+              <a:t>-Axis</a:t>
+            </a:r>
+            <a:r>
+              <a:rPr lang="en-US" altLang="ja-JP" sz="1000" dirty="0" smtClean="0">
+                <a:solidFill>
+                  <a:schemeClr val="tx1"/>
+                </a:solidFill>
+              </a:rPr>
+              <a:t>).</a:t>
             </a:r>
             <a:endParaRPr lang="en-US" altLang="ja-JP" sz="1000" dirty="0" smtClean="0">
               <a:solidFill>
@@ -5743,12 +5783,20 @@
               <a:buChar char="•"/>
             </a:pPr>
             <a:r>
-              <a:rPr lang="ja-JP" altLang="en-US" sz="1000" u="sng" dirty="0" smtClean="0">
-                <a:solidFill>
-                  <a:schemeClr val="tx1"/>
-                </a:solidFill>
-              </a:rPr>
-              <a:t>列キーフィールド</a:t>
+              <a:rPr lang="en-US" altLang="ja-JP" sz="1000" u="sng" dirty="0" smtClean="0">
+                <a:solidFill>
+                  <a:schemeClr val="tx1"/>
+                </a:solidFill>
+              </a:rPr>
+              <a:t>Matrix Row Key</a:t>
+            </a:r>
+            <a:r>
+              <a:rPr lang="en-US" altLang="ja-JP" sz="1000" dirty="0">
+                <a:solidFill>
+                  <a:schemeClr val="tx1"/>
+                </a:solidFill>
+              </a:rPr>
+              <a:t>…Select fields that Key of </a:t>
             </a:r>
             <a:r>
               <a:rPr lang="en-US" altLang="ja-JP" sz="1000" dirty="0" smtClean="0">
@@ -5756,15 +5804,29 @@
                   <a:schemeClr val="tx1"/>
                 </a:solidFill>
               </a:rPr>
-              <a:t>…</a:t>
-            </a:r>
-            <a:r>
-              <a:rPr lang="ja-JP" altLang="en-US" sz="1000" dirty="0" smtClean="0">
-                <a:solidFill>
-                  <a:schemeClr val="tx1"/>
-                </a:solidFill>
-              </a:rPr>
-              <a:t>マトリクスウィンドウの縦軸</a:t>
+              <a:t>Row(Y-Axis</a:t>
+            </a:r>
+            <a:r>
+              <a:rPr lang="en-US" altLang="ja-JP" sz="1000" dirty="0">
+                <a:solidFill>
+                  <a:schemeClr val="tx1"/>
+                </a:solidFill>
+              </a:rPr>
+              <a:t>).</a:t>
+            </a:r>
+          </a:p>
+          <a:p>
+            <a:pPr marL="171450" indent="-171450">
+              <a:buFont typeface="Arial" panose="020B0604020202020204" pitchFamily="34" charset="0"/>
+              <a:buChar char="•"/>
+            </a:pPr>
+            <a:r>
+              <a:rPr lang="en-US" altLang="ja-JP" sz="1000" u="sng" dirty="0" smtClean="0">
+                <a:solidFill>
+                  <a:schemeClr val="tx1"/>
+                </a:solidFill>
+              </a:rPr>
+              <a:t>Length</a:t>
             </a:r>
             <a:r>
               <a:rPr lang="en-US" altLang="ja-JP" sz="1000" dirty="0" smtClean="0">
@@ -5772,63 +5834,7 @@
                   <a:schemeClr val="tx1"/>
                 </a:solidFill>
               </a:rPr>
-              <a:t>(X</a:t>
-            </a:r>
-            <a:r>
-              <a:rPr lang="ja-JP" altLang="en-US" sz="1000" dirty="0" smtClean="0">
-                <a:solidFill>
-                  <a:schemeClr val="tx1"/>
-                </a:solidFill>
-              </a:rPr>
-              <a:t>軸</a:t>
-            </a:r>
-            <a:r>
-              <a:rPr lang="en-US" altLang="ja-JP" sz="1000" dirty="0" smtClean="0">
-                <a:solidFill>
-                  <a:schemeClr val="tx1"/>
-                </a:solidFill>
-              </a:rPr>
-              <a:t>/</a:t>
-            </a:r>
-            <a:r>
-              <a:rPr lang="ja-JP" altLang="en-US" sz="1000" dirty="0" smtClean="0">
-                <a:solidFill>
-                  <a:schemeClr val="tx1"/>
-                </a:solidFill>
-              </a:rPr>
-              <a:t>列</a:t>
-            </a:r>
-            <a:r>
-              <a:rPr lang="en-US" altLang="ja-JP" sz="1000" dirty="0" smtClean="0">
-                <a:solidFill>
-                  <a:schemeClr val="tx1"/>
-                </a:solidFill>
-              </a:rPr>
-              <a:t>)</a:t>
-            </a:r>
-            <a:r>
-              <a:rPr lang="ja-JP" altLang="en-US" sz="1000" dirty="0" smtClean="0">
-                <a:solidFill>
-                  <a:schemeClr val="tx1"/>
-                </a:solidFill>
-              </a:rPr>
-              <a:t>となるフィールドを</a:t>
-            </a:r>
-            <a:r>
-              <a:rPr lang="ja-JP" altLang="en-US" sz="1000" dirty="0">
-                <a:solidFill>
-                  <a:schemeClr val="tx1"/>
-                </a:solidFill>
-              </a:rPr>
-              <a:t>設定</a:t>
-            </a:r>
-            <a:r>
-              <a:rPr lang="ja-JP" altLang="en-US" sz="1000" dirty="0" smtClean="0">
-                <a:solidFill>
-                  <a:schemeClr val="tx1"/>
-                </a:solidFill>
-              </a:rPr>
-              <a:t>します。</a:t>
+              <a:t>…Width of Row key column.</a:t>
             </a:r>
             <a:endParaRPr lang="en-US" altLang="ja-JP" sz="1000" dirty="0" smtClean="0">
               <a:solidFill>
@@ -5842,12 +5848,36 @@
               <a:buChar char="•"/>
             </a:pPr>
             <a:r>
-              <a:rPr lang="ja-JP" altLang="en-US" sz="1000" u="sng" dirty="0" smtClean="0">
-                <a:solidFill>
-                  <a:schemeClr val="tx1"/>
-                </a:solidFill>
-              </a:rPr>
-              <a:t>行キーフィールド</a:t>
+              <a:rPr lang="en-US" altLang="ja-JP" sz="1000" u="sng" dirty="0" smtClean="0">
+                <a:solidFill>
+                  <a:schemeClr val="tx1"/>
+                </a:solidFill>
+              </a:rPr>
+              <a:t>Quick Entry Window</a:t>
+            </a:r>
+            <a:r>
+              <a:rPr lang="en-US" altLang="ja-JP" sz="1000" dirty="0">
+                <a:solidFill>
+                  <a:schemeClr val="tx1"/>
+                </a:solidFill>
+              </a:rPr>
+              <a:t>…If you create a new data at Matrix </a:t>
+            </a:r>
+            <a:r>
+              <a:rPr lang="en-US" altLang="ja-JP" sz="1000" dirty="0" err="1">
+                <a:solidFill>
+                  <a:schemeClr val="tx1"/>
+                </a:solidFill>
+              </a:rPr>
+              <a:t>Window,Please</a:t>
+            </a:r>
+            <a:r>
+              <a:rPr lang="en-US" altLang="ja-JP" sz="1000" dirty="0">
+                <a:solidFill>
+                  <a:schemeClr val="tx1"/>
+                </a:solidFill>
+              </a:rPr>
+              <a:t> set window that setting Quick Entry</a:t>
             </a:r>
             <a:r>
               <a:rPr lang="en-US" altLang="ja-JP" sz="1000" dirty="0" smtClean="0">
@@ -5855,79 +5885,7 @@
                   <a:schemeClr val="tx1"/>
                 </a:solidFill>
               </a:rPr>
-              <a:t>…</a:t>
-            </a:r>
-            <a:r>
-              <a:rPr lang="ja-JP" altLang="en-US" sz="1000" dirty="0" smtClean="0">
-                <a:solidFill>
-                  <a:schemeClr val="tx1"/>
-                </a:solidFill>
-              </a:rPr>
-              <a:t>マトリクスウィンドウの横軸</a:t>
-            </a:r>
-            <a:r>
-              <a:rPr lang="en-US" altLang="ja-JP" sz="1000" dirty="0" smtClean="0">
-                <a:solidFill>
-                  <a:schemeClr val="tx1"/>
-                </a:solidFill>
-              </a:rPr>
-              <a:t>(Y</a:t>
-            </a:r>
-            <a:r>
-              <a:rPr lang="ja-JP" altLang="en-US" sz="1000" dirty="0" smtClean="0">
-                <a:solidFill>
-                  <a:schemeClr val="tx1"/>
-                </a:solidFill>
-              </a:rPr>
-              <a:t>軸</a:t>
-            </a:r>
-            <a:r>
-              <a:rPr lang="en-US" altLang="ja-JP" sz="1000" dirty="0" smtClean="0">
-                <a:solidFill>
-                  <a:schemeClr val="tx1"/>
-                </a:solidFill>
-              </a:rPr>
-              <a:t>/</a:t>
-            </a:r>
-            <a:r>
-              <a:rPr lang="ja-JP" altLang="en-US" sz="1000" dirty="0" smtClean="0">
-                <a:solidFill>
-                  <a:schemeClr val="tx1"/>
-                </a:solidFill>
-              </a:rPr>
-              <a:t>行</a:t>
-            </a:r>
-            <a:r>
-              <a:rPr lang="en-US" altLang="ja-JP" sz="1000" dirty="0" smtClean="0">
-                <a:solidFill>
-                  <a:schemeClr val="tx1"/>
-                </a:solidFill>
-              </a:rPr>
-              <a:t>)</a:t>
-            </a:r>
-            <a:r>
-              <a:rPr lang="ja-JP" altLang="en-US" sz="1000" dirty="0" smtClean="0">
-                <a:solidFill>
-                  <a:schemeClr val="tx1"/>
-                </a:solidFill>
-              </a:rPr>
-              <a:t>となるフィールドを</a:t>
-            </a:r>
-            <a:r>
-              <a:rPr lang="ja-JP" altLang="en-US" sz="1000" dirty="0">
-                <a:solidFill>
-                  <a:schemeClr val="tx1"/>
-                </a:solidFill>
-              </a:rPr>
-              <a:t>設定</a:t>
-            </a:r>
-            <a:r>
-              <a:rPr lang="ja-JP" altLang="en-US" sz="1000" dirty="0" smtClean="0">
-                <a:solidFill>
-                  <a:schemeClr val="tx1"/>
-                </a:solidFill>
-              </a:rPr>
-              <a:t>します。</a:t>
+              <a:t>.</a:t>
             </a:r>
             <a:endParaRPr lang="en-US" altLang="ja-JP" sz="1000" dirty="0" smtClean="0">
               <a:solidFill>
@@ -5941,12 +5899,20 @@
               <a:buChar char="•"/>
             </a:pPr>
             <a:r>
-              <a:rPr lang="ja-JP" altLang="en-US" sz="1000" u="sng" dirty="0" smtClean="0">
-                <a:solidFill>
-                  <a:schemeClr val="tx1"/>
-                </a:solidFill>
-              </a:rPr>
-              <a:t>長さ</a:t>
+              <a:rPr lang="en-US" altLang="ja-JP" sz="1000" u="sng" dirty="0" smtClean="0">
+                <a:solidFill>
+                  <a:schemeClr val="tx1"/>
+                </a:solidFill>
+              </a:rPr>
+              <a:t>Quick Entry </a:t>
+            </a:r>
+            <a:r>
+              <a:rPr lang="en-US" altLang="ja-JP" sz="1000" u="sng" dirty="0" err="1" smtClean="0">
+                <a:solidFill>
+                  <a:schemeClr val="tx1"/>
+                </a:solidFill>
+              </a:rPr>
+              <a:t>Conf</a:t>
             </a:r>
             <a:r>
               <a:rPr lang="en-US" altLang="ja-JP" sz="1000" dirty="0" smtClean="0">
@@ -5954,107 +5920,8 @@
                   <a:schemeClr val="tx1"/>
                 </a:solidFill>
               </a:rPr>
-              <a:t>…</a:t>
-            </a:r>
-            <a:r>
-              <a:rPr lang="ja-JP" altLang="en-US" sz="1000" dirty="0" smtClean="0">
-                <a:solidFill>
-                  <a:schemeClr val="tx1"/>
-                </a:solidFill>
-              </a:rPr>
-              <a:t>行キーのフィールドを表示す</a:t>
-            </a:r>
-            <a:r>
-              <a:rPr lang="ja-JP" altLang="en-US" sz="1000" dirty="0">
-                <a:solidFill>
-                  <a:schemeClr val="tx1"/>
-                </a:solidFill>
-              </a:rPr>
-              <a:t>る</a:t>
-            </a:r>
-            <a:r>
-              <a:rPr lang="ja-JP" altLang="en-US" sz="1000" dirty="0" smtClean="0">
-                <a:solidFill>
-                  <a:schemeClr val="tx1"/>
-                </a:solidFill>
-              </a:rPr>
-              <a:t>長さを設定します。</a:t>
-            </a:r>
-            <a:endParaRPr lang="en-US" altLang="ja-JP" sz="1000" dirty="0" smtClean="0">
-              <a:solidFill>
-                <a:schemeClr val="tx1"/>
-              </a:solidFill>
-            </a:endParaRPr>
-          </a:p>
-          <a:p>
-            <a:pPr marL="171450" indent="-171450">
-              <a:buFont typeface="Arial" panose="020B0604020202020204" pitchFamily="34" charset="0"/>
-              <a:buChar char="•"/>
-            </a:pPr>
-            <a:r>
-              <a:rPr lang="ja-JP" altLang="en-US" sz="1000" u="sng" dirty="0" smtClean="0">
-                <a:solidFill>
-                  <a:schemeClr val="tx1"/>
-                </a:solidFill>
-              </a:rPr>
-              <a:t>クイック入力ウィンドウ</a:t>
-            </a:r>
-            <a:r>
-              <a:rPr lang="en-US" altLang="ja-JP" sz="1000" dirty="0" smtClean="0">
-                <a:solidFill>
-                  <a:schemeClr val="tx1"/>
-                </a:solidFill>
-              </a:rPr>
-              <a:t>…</a:t>
-            </a:r>
-            <a:r>
-              <a:rPr lang="ja-JP" altLang="en-US" sz="1000" dirty="0" smtClean="0">
-                <a:solidFill>
-                  <a:schemeClr val="tx1"/>
-                </a:solidFill>
-              </a:rPr>
-              <a:t>マトリクスウィンドウでデータを新規登録したい場合に、そのデータをクイック入力する設定がされているウィンドウを選択します。</a:t>
-            </a:r>
-            <a:endParaRPr lang="en-US" altLang="ja-JP" sz="1000" dirty="0" smtClean="0">
-              <a:solidFill>
-                <a:schemeClr val="tx1"/>
-              </a:solidFill>
-            </a:endParaRPr>
-          </a:p>
-          <a:p>
-            <a:pPr marL="171450" indent="-171450">
-              <a:buFont typeface="Arial" panose="020B0604020202020204" pitchFamily="34" charset="0"/>
-              <a:buChar char="•"/>
-            </a:pPr>
-            <a:r>
-              <a:rPr lang="ja-JP" altLang="en-US" sz="1000" u="sng" dirty="0" smtClean="0">
-                <a:solidFill>
-                  <a:schemeClr val="tx1"/>
-                </a:solidFill>
-              </a:rPr>
-              <a:t>クイック入力引継情報設定</a:t>
-            </a:r>
-            <a:r>
-              <a:rPr lang="en-US" altLang="ja-JP" sz="1000" dirty="0" smtClean="0">
-                <a:solidFill>
-                  <a:schemeClr val="tx1"/>
-                </a:solidFill>
-              </a:rPr>
-              <a:t>…</a:t>
-            </a:r>
-            <a:r>
-              <a:rPr lang="ja-JP" altLang="en-US" sz="1000" dirty="0" smtClean="0">
-                <a:solidFill>
-                  <a:schemeClr val="tx1"/>
-                </a:solidFill>
-              </a:rPr>
-              <a:t>連続してクリック入力ウィンドウでデータを登録する際に、直前で入力した値を引き継いで入力するかどうか設定する事ができます。</a:t>
-            </a:r>
-            <a:endParaRPr lang="en-US" altLang="ja-JP" sz="1000" dirty="0" smtClean="0">
-              <a:solidFill>
-                <a:schemeClr val="tx1"/>
-              </a:solidFill>
-            </a:endParaRPr>
+              <a:t>…Select how to set default value to next data at Quick Entry Window.</a:t>
+            </a:r>
           </a:p>
         </p:txBody>
       </p:sp>
@@ -6109,7 +5976,7 @@
           <a:p>
             <a:pPr algn="l"/>
             <a:r>
-              <a:rPr lang="ja-JP" altLang="en-US" sz="1600" b="1" dirty="0" smtClean="0">
+              <a:rPr lang="en-US" altLang="ja-JP" sz="1600" b="1" dirty="0" smtClean="0">
                 <a:solidFill>
                   <a:schemeClr val="tx1"/>
                 </a:solidFill>
@@ -6117,10 +5984,10 @@
                 <a:ea typeface="メイリオ" panose="020B0604030504040204" pitchFamily="50" charset="-128"/>
                 <a:cs typeface="メイリオ" panose="020B0604030504040204" pitchFamily="50" charset="-128"/>
               </a:rPr>
-              <a:t>マトリクスウィンドウ </a:t>
-            </a:r>
-            <a:r>
-              <a:rPr lang="en-US" altLang="ja-JP" sz="1600" b="1" dirty="0" smtClean="0">
+              <a:t>Matrix Window</a:t>
+            </a:r>
+            <a:r>
+              <a:rPr lang="ja-JP" altLang="en-US" sz="1600" b="1" dirty="0" smtClean="0">
                 <a:solidFill>
                   <a:schemeClr val="tx1"/>
                 </a:solidFill>
@@ -6128,10 +5995,10 @@
                 <a:ea typeface="メイリオ" panose="020B0604030504040204" pitchFamily="50" charset="-128"/>
                 <a:cs typeface="メイリオ" panose="020B0604030504040204" pitchFamily="50" charset="-128"/>
               </a:rPr>
-              <a:t>– </a:t>
-            </a:r>
-            <a:r>
-              <a:rPr lang="ja-JP" altLang="en-US" sz="1600" b="1" dirty="0" smtClean="0">
+              <a:t> </a:t>
+            </a:r>
+            <a:r>
+              <a:rPr lang="en-US" altLang="ja-JP" sz="1600" b="1" dirty="0" smtClean="0">
                 <a:solidFill>
                   <a:schemeClr val="tx1"/>
                 </a:solidFill>
@@ -6139,7 +6006,18 @@
                 <a:ea typeface="メイリオ" panose="020B0604030504040204" pitchFamily="50" charset="-128"/>
                 <a:cs typeface="メイリオ" panose="020B0604030504040204" pitchFamily="50" charset="-128"/>
               </a:rPr>
-              <a:t>マトリクスウィンドウタブ</a:t>
+              <a:t>– </a:t>
+            </a:r>
+            <a:r>
+              <a:rPr lang="en-US" altLang="ja-JP" sz="1600" b="1" dirty="0" smtClean="0">
+                <a:solidFill>
+                  <a:schemeClr val="tx1"/>
+                </a:solidFill>
+                <a:latin typeface="メイリオ" panose="020B0604030504040204" pitchFamily="50" charset="-128"/>
+                <a:ea typeface="メイリオ" panose="020B0604030504040204" pitchFamily="50" charset="-128"/>
+                <a:cs typeface="メイリオ" panose="020B0604030504040204" pitchFamily="50" charset="-128"/>
+              </a:rPr>
+              <a:t>Tab of Matrix Window</a:t>
             </a:r>
             <a:endParaRPr lang="en-US" altLang="ja-JP" sz="1600" b="1" dirty="0" smtClean="0">
               <a:solidFill>
@@ -6261,14 +6139,14 @@
           <a:p>
             <a:pPr algn="r"/>
             <a:r>
-              <a:rPr lang="ja-JP" altLang="en-US" sz="800" dirty="0" smtClean="0">
+              <a:rPr lang="en-US" altLang="ja-JP" sz="800" dirty="0" smtClean="0">
                 <a:solidFill>
                   <a:schemeClr val="tx1"/>
                 </a:solidFill>
                 <a:latin typeface="HGPｺﾞｼｯｸM" pitchFamily="50" charset="-128"/>
                 <a:ea typeface="HGPｺﾞｼｯｸM" pitchFamily="50" charset="-128"/>
               </a:rPr>
-              <a:t>長さ</a:t>
+              <a:t>Length</a:t>
             </a:r>
             <a:endParaRPr lang="ja-JP" altLang="en-US" sz="800" dirty="0">
               <a:solidFill>
@@ -6356,17 +6234,6 @@
           <a:lstStyle/>
           <a:p>
             <a:pPr algn="l"/>
-            <a:r>
-              <a:rPr lang="ja-JP" altLang="en-US" sz="800" dirty="0" smtClean="0">
-                <a:solidFill>
-                  <a:schemeClr val="tx1"/>
-                </a:solidFill>
-                <a:latin typeface="Meiryo UI" pitchFamily="50" charset="-128"/>
-                <a:ea typeface="Meiryo UI" pitchFamily="50" charset="-128"/>
-                <a:cs typeface="Meiryo UI" pitchFamily="50" charset="-128"/>
-              </a:rPr>
-              <a:t>納品実績</a:t>
-            </a:r>
             <a:endParaRPr lang="ja-JP" altLang="en-US" sz="800" dirty="0">
               <a:solidFill>
                 <a:schemeClr val="tx1"/>
@@ -6419,14 +6286,14 @@
           <a:p>
             <a:pPr algn="r"/>
             <a:r>
-              <a:rPr lang="ja-JP" altLang="en-US" sz="800" dirty="0" smtClean="0">
+              <a:rPr lang="en-US" altLang="ja-JP" sz="800" dirty="0" smtClean="0">
                 <a:solidFill>
                   <a:schemeClr val="tx1"/>
                 </a:solidFill>
                 <a:latin typeface="HGPｺﾞｼｯｸM" pitchFamily="50" charset="-128"/>
                 <a:ea typeface="HGPｺﾞｼｯｸM" pitchFamily="50" charset="-128"/>
               </a:rPr>
-              <a:t>クイック入力ウィンドウ</a:t>
+              <a:t>Quick Entry Window</a:t>
             </a:r>
             <a:endParaRPr lang="ja-JP" altLang="en-US" sz="800" dirty="0">
               <a:solidFill>
@@ -6607,14 +6474,14 @@
           <a:p>
             <a:pPr algn="r"/>
             <a:r>
-              <a:rPr lang="ja-JP" altLang="en-US" sz="800" dirty="0" smtClean="0">
+              <a:rPr lang="en-US" altLang="ja-JP" sz="800" dirty="0" smtClean="0">
                 <a:solidFill>
                   <a:schemeClr val="tx1"/>
                 </a:solidFill>
                 <a:latin typeface="HGPｺﾞｼｯｸM" pitchFamily="50" charset="-128"/>
                 <a:ea typeface="HGPｺﾞｼｯｸM" pitchFamily="50" charset="-128"/>
               </a:rPr>
-              <a:t>ページ行数</a:t>
+              <a:t>Page Size*</a:t>
             </a:r>
             <a:endParaRPr lang="ja-JP" altLang="en-US" sz="800" dirty="0">
               <a:solidFill>
@@ -6703,7 +6570,7 @@
           <a:p>
             <a:pPr algn="l"/>
             <a:r>
-              <a:rPr lang="ja-JP" altLang="en-US" sz="800" dirty="0" smtClean="0">
+              <a:rPr lang="en-US" altLang="ja-JP" sz="800" dirty="0" smtClean="0">
                 <a:solidFill>
                   <a:schemeClr val="tx1"/>
                 </a:solidFill>
@@ -6711,7 +6578,7 @@
                 <a:ea typeface="Meiryo UI" pitchFamily="50" charset="-128"/>
                 <a:cs typeface="Meiryo UI" pitchFamily="50" charset="-128"/>
               </a:rPr>
-              <a:t>列と行</a:t>
+              <a:t>Column info only</a:t>
             </a:r>
             <a:endParaRPr lang="ja-JP" altLang="en-US" sz="800" dirty="0">
               <a:solidFill>
@@ -6765,14 +6632,24 @@
           <a:p>
             <a:pPr algn="r"/>
             <a:r>
-              <a:rPr lang="ja-JP" altLang="en-US" sz="800" dirty="0" smtClean="0">
+              <a:rPr lang="en-US" altLang="ja-JP" sz="800" dirty="0" smtClean="0">
                 <a:solidFill>
                   <a:schemeClr val="tx1"/>
                 </a:solidFill>
                 <a:latin typeface="HGPｺﾞｼｯｸM" pitchFamily="50" charset="-128"/>
                 <a:ea typeface="HGPｺﾞｼｯｸM" pitchFamily="50" charset="-128"/>
               </a:rPr>
-              <a:t>クイック入力引継設情報定</a:t>
+              <a:t>Quick Entry </a:t>
+            </a:r>
+            <a:r>
+              <a:rPr lang="en-US" altLang="ja-JP" sz="800" dirty="0" err="1" smtClean="0">
+                <a:solidFill>
+                  <a:schemeClr val="tx1"/>
+                </a:solidFill>
+                <a:latin typeface="HGPｺﾞｼｯｸM" pitchFamily="50" charset="-128"/>
+                <a:ea typeface="HGPｺﾞｼｯｸM" pitchFamily="50" charset="-128"/>
+              </a:rPr>
+              <a:t>Conf</a:t>
             </a:r>
             <a:endParaRPr lang="ja-JP" altLang="en-US" sz="800" dirty="0">
               <a:solidFill>
@@ -6854,8 +6731,8 @@
         </p:nvSpPr>
         <p:spPr>
           <a:xfrm>
-            <a:off x="251520" y="5733288"/>
-            <a:ext cx="5111178" cy="792056"/>
+            <a:off x="5785579" y="5669336"/>
+            <a:ext cx="2458829" cy="639984"/>
           </a:xfrm>
           <a:prstGeom prst="rect">
             <a:avLst/>
@@ -6975,69 +6852,6 @@
             </a:lvl9pPr>
           </a:lstStyle>
           <a:p>
-            <a:pPr>
-              <a:spcBef>
-                <a:spcPts val="0"/>
-              </a:spcBef>
-            </a:pPr>
-            <a:r>
-              <a:rPr lang="en-US" altLang="ja-JP" sz="900" dirty="0" smtClean="0">
-                <a:solidFill>
-                  <a:schemeClr val="tx1"/>
-                </a:solidFill>
-              </a:rPr>
-              <a:t>※</a:t>
-            </a:r>
-            <a:r>
-              <a:rPr lang="ja-JP" altLang="en-US" sz="900" dirty="0" smtClean="0">
-                <a:solidFill>
-                  <a:schemeClr val="tx1"/>
-                </a:solidFill>
-              </a:rPr>
-              <a:t>クイック入力引継情報選択の選択リスト</a:t>
-            </a:r>
-            <a:r>
-              <a:rPr lang="en-US" altLang="ja-JP" sz="900" dirty="0">
-                <a:solidFill>
-                  <a:schemeClr val="tx1"/>
-                </a:solidFill>
-              </a:rPr>
-              <a:t>(JP </a:t>
-            </a:r>
-            <a:r>
-              <a:rPr lang="en-US" altLang="ja-JP" sz="900" dirty="0" err="1" smtClean="0">
-                <a:solidFill>
-                  <a:schemeClr val="tx1"/>
-                </a:solidFill>
-              </a:rPr>
-              <a:t>QuickEntryConf</a:t>
-            </a:r>
-            <a:r>
-              <a:rPr lang="en-US" altLang="ja-JP" sz="900" dirty="0" smtClean="0">
-                <a:solidFill>
-                  <a:schemeClr val="tx1"/>
-                </a:solidFill>
-              </a:rPr>
-              <a:t>:</a:t>
-            </a:r>
-            <a:r>
-              <a:rPr lang="ja-JP" altLang="en-US" sz="900" dirty="0" smtClean="0">
-                <a:solidFill>
-                  <a:schemeClr val="tx1"/>
-                </a:solidFill>
-              </a:rPr>
-              <a:t>クイック入力情報引継リスト</a:t>
-            </a:r>
-            <a:r>
-              <a:rPr lang="en-US" altLang="ja-JP" sz="900" dirty="0" smtClean="0">
-                <a:solidFill>
-                  <a:schemeClr val="tx1"/>
-                </a:solidFill>
-              </a:rPr>
-              <a:t>)</a:t>
-            </a:r>
-          </a:p>
-          <a:p>
             <a:pPr marL="171450" indent="-171450">
               <a:spcBef>
                 <a:spcPts val="0"/>
@@ -7051,7 +6865,7 @@
                   <a:schemeClr val="tx1"/>
                 </a:solidFill>
               </a:rPr>
-              <a:t>01:</a:t>
+              <a:t>01:Column</a:t>
             </a:r>
             <a:r>
               <a:rPr lang="ja-JP" altLang="en-US" sz="900" dirty="0" smtClean="0">
@@ -7059,7 +6873,7 @@
                   <a:schemeClr val="tx1"/>
                 </a:solidFill>
               </a:rPr>
-              <a:t>列の情報を引き継ぐ</a:t>
+              <a:t> </a:t>
             </a:r>
             <a:r>
               <a:rPr lang="en-US" altLang="ja-JP" sz="900" dirty="0" smtClean="0">
@@ -7067,23 +6881,7 @@
                   <a:schemeClr val="tx1"/>
                 </a:solidFill>
               </a:rPr>
-              <a:t>(Column</a:t>
-            </a:r>
-            <a:r>
-              <a:rPr lang="ja-JP" altLang="en-US" sz="900" dirty="0">
-                <a:solidFill>
-                  <a:schemeClr val="tx1"/>
-                </a:solidFill>
-              </a:rPr>
-              <a:t> </a:t>
-            </a:r>
-            <a:r>
-              <a:rPr lang="en-US" altLang="ja-JP" sz="900" dirty="0" smtClean="0">
-                <a:solidFill>
-                  <a:schemeClr val="tx1"/>
-                </a:solidFill>
-              </a:rPr>
-              <a:t>info only)</a:t>
+              <a:t>info only</a:t>
             </a:r>
           </a:p>
           <a:p>
@@ -7100,31 +6898,7 @@
                   <a:schemeClr val="tx1"/>
                 </a:solidFill>
               </a:rPr>
-              <a:t>02:</a:t>
-            </a:r>
-            <a:r>
-              <a:rPr lang="ja-JP" altLang="en-US" sz="900" dirty="0" smtClean="0">
-                <a:solidFill>
-                  <a:schemeClr val="tx1"/>
-                </a:solidFill>
-              </a:rPr>
-              <a:t>行</a:t>
-            </a:r>
-            <a:r>
-              <a:rPr lang="ja-JP" altLang="en-US" sz="900" dirty="0">
-                <a:solidFill>
-                  <a:schemeClr val="tx1"/>
-                </a:solidFill>
-              </a:rPr>
-              <a:t>の</a:t>
-            </a:r>
-            <a:r>
-              <a:rPr lang="ja-JP" altLang="en-US" sz="900" dirty="0" smtClean="0">
-                <a:solidFill>
-                  <a:schemeClr val="tx1"/>
-                </a:solidFill>
-              </a:rPr>
-              <a:t>情報を引き継ぐ</a:t>
+              <a:t>02:Row </a:t>
             </a:r>
             <a:r>
               <a:rPr lang="en-US" altLang="ja-JP" sz="900" dirty="0" smtClean="0">
@@ -7132,8 +6906,21 @@
                   <a:schemeClr val="tx1"/>
                 </a:solidFill>
               </a:rPr>
-              <a:t>(Row info Only)</a:t>
-            </a:r>
+              <a:t>info </a:t>
+            </a:r>
+            <a:r>
+              <a:rPr lang="en-US" altLang="ja-JP" sz="900" dirty="0" smtClean="0">
+                <a:solidFill>
+                  <a:schemeClr val="tx1"/>
+                </a:solidFill>
+              </a:rPr>
+              <a:t>Only</a:t>
+            </a:r>
+            <a:endParaRPr lang="en-US" altLang="ja-JP" sz="900" dirty="0" smtClean="0">
+              <a:solidFill>
+                <a:schemeClr val="tx1"/>
+              </a:solidFill>
+            </a:endParaRPr>
           </a:p>
           <a:p>
             <a:pPr marL="171450" indent="-171450">
@@ -7149,15 +6936,7 @@
                   <a:schemeClr val="tx1"/>
                 </a:solidFill>
               </a:rPr>
-              <a:t>03:</a:t>
-            </a:r>
-            <a:r>
-              <a:rPr lang="ja-JP" altLang="en-US" sz="900" dirty="0" smtClean="0">
-                <a:solidFill>
-                  <a:schemeClr val="tx1"/>
-                </a:solidFill>
-              </a:rPr>
-              <a:t>列と行の情報を引き継ぐ</a:t>
+              <a:t>03:Column </a:t>
             </a:r>
             <a:r>
               <a:rPr lang="en-US" altLang="ja-JP" sz="900" dirty="0" smtClean="0">
@@ -7165,8 +6944,21 @@
                   <a:schemeClr val="tx1"/>
                 </a:solidFill>
               </a:rPr>
-              <a:t>(Column and Row info)</a:t>
-            </a:r>
+              <a:t>and Row </a:t>
+            </a:r>
+            <a:r>
+              <a:rPr lang="en-US" altLang="ja-JP" sz="900" dirty="0" smtClean="0">
+                <a:solidFill>
+                  <a:schemeClr val="tx1"/>
+                </a:solidFill>
+              </a:rPr>
+              <a:t>info</a:t>
+            </a:r>
+            <a:endParaRPr lang="en-US" altLang="ja-JP" sz="900" dirty="0" smtClean="0">
+              <a:solidFill>
+                <a:schemeClr val="tx1"/>
+              </a:solidFill>
+            </a:endParaRPr>
           </a:p>
         </p:txBody>
       </p:sp>
@@ -7215,19 +7007,26 @@
           <a:bodyPr/>
           <a:lstStyle/>
           <a:p>
-            <a:r>
-              <a:rPr lang="en-US" altLang="ja-JP" dirty="0"/>
-              <a:t>【</a:t>
-            </a:r>
-            <a:r>
-              <a:rPr lang="ja-JP" altLang="en-US" dirty="0"/>
-              <a:t>マトリクスウィンドウの設定</a:t>
-            </a:r>
-            <a:r>
-              <a:rPr lang="en-US" altLang="ja-JP" dirty="0"/>
-              <a:t>】</a:t>
-            </a:r>
-            <a:endParaRPr kumimoji="1" lang="ja-JP" altLang="en-US" dirty="0"/>
+            <a:pPr>
+              <a:defRPr/>
+            </a:pPr>
+            <a:r>
+              <a:rPr lang="en-US" altLang="ja-JP" dirty="0">
+                <a:solidFill>
+                  <a:schemeClr val="tx2">
+                    <a:lumMod val="75000"/>
+                  </a:schemeClr>
+                </a:solidFill>
+              </a:rPr>
+              <a:t>Configurations</a:t>
+            </a:r>
+            <a:endParaRPr lang="ja-JP" altLang="en-US" dirty="0">
+              <a:solidFill>
+                <a:schemeClr val="tx2">
+                  <a:lumMod val="75000"/>
+                </a:schemeClr>
+              </a:solidFill>
+            </a:endParaRPr>
           </a:p>
         </p:txBody>
       </p:sp>
@@ -9946,19 +9745,26 @@
           <a:bodyPr/>
           <a:lstStyle/>
           <a:p>
-            <a:r>
-              <a:rPr lang="en-US" altLang="ja-JP" dirty="0"/>
-              <a:t>【</a:t>
-            </a:r>
-            <a:r>
-              <a:rPr lang="ja-JP" altLang="en-US" dirty="0"/>
-              <a:t>マトリクスウィンドウの設定</a:t>
-            </a:r>
-            <a:r>
-              <a:rPr lang="en-US" altLang="ja-JP" dirty="0"/>
-              <a:t>】</a:t>
-            </a:r>
-            <a:endParaRPr kumimoji="1" lang="ja-JP" altLang="en-US" dirty="0"/>
+            <a:pPr>
+              <a:defRPr/>
+            </a:pPr>
+            <a:r>
+              <a:rPr lang="en-US" altLang="ja-JP" dirty="0">
+                <a:solidFill>
+                  <a:schemeClr val="tx2">
+                    <a:lumMod val="75000"/>
+                  </a:schemeClr>
+                </a:solidFill>
+              </a:rPr>
+              <a:t>Configurations</a:t>
+            </a:r>
+            <a:endParaRPr lang="ja-JP" altLang="en-US" dirty="0">
+              <a:solidFill>
+                <a:schemeClr val="tx2">
+                  <a:lumMod val="75000"/>
+                </a:schemeClr>
+              </a:solidFill>
+            </a:endParaRPr>
           </a:p>
         </p:txBody>
       </p:sp>
@@ -12917,19 +12723,26 @@
           <a:bodyPr/>
           <a:lstStyle/>
           <a:p>
-            <a:r>
-              <a:rPr lang="en-US" altLang="ja-JP" dirty="0"/>
-              <a:t>【</a:t>
-            </a:r>
-            <a:r>
-              <a:rPr lang="ja-JP" altLang="en-US" dirty="0"/>
-              <a:t>マトリクスウィンドウの設定</a:t>
-            </a:r>
-            <a:r>
-              <a:rPr lang="en-US" altLang="ja-JP" dirty="0"/>
-              <a:t>】</a:t>
-            </a:r>
-            <a:endParaRPr kumimoji="1" lang="ja-JP" altLang="en-US" dirty="0"/>
+            <a:pPr>
+              <a:defRPr/>
+            </a:pPr>
+            <a:r>
+              <a:rPr lang="en-US" altLang="ja-JP" dirty="0">
+                <a:solidFill>
+                  <a:schemeClr val="tx2">
+                    <a:lumMod val="75000"/>
+                  </a:schemeClr>
+                </a:solidFill>
+              </a:rPr>
+              <a:t>Configurations</a:t>
+            </a:r>
+            <a:endParaRPr lang="ja-JP" altLang="en-US" dirty="0">
+              <a:solidFill>
+                <a:schemeClr val="tx2">
+                  <a:lumMod val="75000"/>
+                </a:schemeClr>
+              </a:solidFill>
+            </a:endParaRPr>
           </a:p>
         </p:txBody>
       </p:sp>
@@ -30865,14 +30678,6 @@
               </a:rPr>
               <a:t>Tab of Matrix Window</a:t>
             </a:r>
-            <a:endParaRPr lang="en-US" altLang="ja-JP" sz="1400" b="1" dirty="0" smtClean="0">
-              <a:solidFill>
-                <a:schemeClr val="tx1"/>
-              </a:solidFill>
-              <a:latin typeface="メイリオ" panose="020B0604030504040204" pitchFamily="50" charset="-128"/>
-              <a:ea typeface="メイリオ" panose="020B0604030504040204" pitchFamily="50" charset="-128"/>
-              <a:cs typeface="メイリオ" panose="020B0604030504040204" pitchFamily="50" charset="-128"/>
-            </a:endParaRPr>
           </a:p>
         </p:txBody>
       </p:sp>
@@ -31056,14 +30861,6 @@
               </a:rPr>
               <a:t>Configurations of Matrix Window</a:t>
             </a:r>
-            <a:endParaRPr lang="en-US" altLang="ja-JP" sz="1400" b="1" dirty="0" smtClean="0">
-              <a:solidFill>
-                <a:schemeClr val="tx1"/>
-              </a:solidFill>
-              <a:latin typeface="メイリオ" panose="020B0604030504040204" pitchFamily="50" charset="-128"/>
-              <a:ea typeface="メイリオ" panose="020B0604030504040204" pitchFamily="50" charset="-128"/>
-              <a:cs typeface="メイリオ" panose="020B0604030504040204" pitchFamily="50" charset="-128"/>
-            </a:endParaRPr>
           </a:p>
         </p:txBody>
       </p:sp>
@@ -31128,14 +30925,6 @@
               </a:rPr>
               <a:t>Configurations of form</a:t>
             </a:r>
-            <a:endParaRPr lang="en-US" altLang="ja-JP" sz="1400" b="1" dirty="0" smtClean="0">
-              <a:solidFill>
-                <a:schemeClr val="tx1"/>
-              </a:solidFill>
-              <a:latin typeface="メイリオ" panose="020B0604030504040204" pitchFamily="50" charset="-128"/>
-              <a:ea typeface="メイリオ" panose="020B0604030504040204" pitchFamily="50" charset="-128"/>
-              <a:cs typeface="メイリオ" panose="020B0604030504040204" pitchFamily="50" charset="-128"/>
-            </a:endParaRPr>
           </a:p>
         </p:txBody>
       </p:sp>
@@ -31200,14 +30989,6 @@
               </a:rPr>
               <a:t>Preparation</a:t>
             </a:r>
-            <a:endParaRPr lang="en-US" altLang="ja-JP" sz="1400" b="1" dirty="0" smtClean="0">
-              <a:solidFill>
-                <a:schemeClr val="tx1"/>
-              </a:solidFill>
-              <a:latin typeface="メイリオ" panose="020B0604030504040204" pitchFamily="50" charset="-128"/>
-              <a:ea typeface="メイリオ" panose="020B0604030504040204" pitchFamily="50" charset="-128"/>
-              <a:cs typeface="メイリオ" panose="020B0604030504040204" pitchFamily="50" charset="-128"/>
-            </a:endParaRPr>
           </a:p>
         </p:txBody>
       </p:sp>
@@ -31272,14 +31053,6 @@
               </a:rPr>
               <a:t>Tab of Matrix Window Field</a:t>
             </a:r>
-            <a:endParaRPr lang="en-US" altLang="ja-JP" sz="1400" b="1" dirty="0" smtClean="0">
-              <a:solidFill>
-                <a:schemeClr val="tx1"/>
-              </a:solidFill>
-              <a:latin typeface="メイリオ" panose="020B0604030504040204" pitchFamily="50" charset="-128"/>
-              <a:ea typeface="メイリオ" panose="020B0604030504040204" pitchFamily="50" charset="-128"/>
-              <a:cs typeface="メイリオ" panose="020B0604030504040204" pitchFamily="50" charset="-128"/>
-            </a:endParaRPr>
           </a:p>
         </p:txBody>
       </p:sp>
@@ -31344,14 +31117,6 @@
               </a:rPr>
               <a:t>Tab of Matrix Window Search Field</a:t>
             </a:r>
-            <a:endParaRPr lang="en-US" altLang="ja-JP" sz="1400" b="1" dirty="0" smtClean="0">
-              <a:solidFill>
-                <a:schemeClr val="tx1"/>
-              </a:solidFill>
-              <a:latin typeface="メイリオ" panose="020B0604030504040204" pitchFamily="50" charset="-128"/>
-              <a:ea typeface="メイリオ" panose="020B0604030504040204" pitchFamily="50" charset="-128"/>
-              <a:cs typeface="メイリオ" panose="020B0604030504040204" pitchFamily="50" charset="-128"/>
-            </a:endParaRPr>
           </a:p>
         </p:txBody>
       </p:sp>
@@ -31416,14 +31181,6 @@
               </a:rPr>
               <a:t>Image of Matrix Window</a:t>
             </a:r>
-            <a:endParaRPr lang="en-US" altLang="ja-JP" sz="1400" b="1" dirty="0" smtClean="0">
-              <a:solidFill>
-                <a:schemeClr val="tx1"/>
-              </a:solidFill>
-              <a:latin typeface="メイリオ" panose="020B0604030504040204" pitchFamily="50" charset="-128"/>
-              <a:ea typeface="メイリオ" panose="020B0604030504040204" pitchFamily="50" charset="-128"/>
-              <a:cs typeface="メイリオ" panose="020B0604030504040204" pitchFamily="50" charset="-128"/>
-            </a:endParaRPr>
           </a:p>
         </p:txBody>
       </p:sp>
@@ -41132,15 +40889,7 @@
                   <a:schemeClr val="tx1"/>
                 </a:solidFill>
               </a:rPr>
-              <a:t>de</a:t>
-            </a:r>
-            <a:r>
-              <a:rPr lang="en-US" altLang="ja-JP" dirty="0" err="1" smtClean="0">
-                <a:solidFill>
-                  <a:schemeClr val="tx1"/>
-                </a:solidFill>
-              </a:rPr>
-              <a:t>normalization</a:t>
+              <a:t>denormalization</a:t>
             </a:r>
             <a:r>
               <a:rPr lang="en-US" altLang="ja-JP" dirty="0" smtClean="0">
@@ -41176,11 +40925,6 @@
               </a:rPr>
               <a:t>Matrix Window can create by parameter setting only.</a:t>
             </a:r>
-            <a:endParaRPr lang="en-US" altLang="ja-JP" dirty="0" smtClean="0">
-              <a:solidFill>
-                <a:schemeClr val="tx1"/>
-              </a:solidFill>
-            </a:endParaRPr>
           </a:p>
         </p:txBody>
       </p:sp>
@@ -48165,11 +47909,6 @@
               </a:rPr>
               <a:t>Search Fields Area</a:t>
             </a:r>
-            <a:endParaRPr kumimoji="1" lang="en-US" altLang="ja-JP" sz="1200" b="1" u="sng" dirty="0" smtClean="0">
-              <a:solidFill>
-                <a:schemeClr val="tx1"/>
-              </a:solidFill>
-            </a:endParaRPr>
           </a:p>
           <a:p>
             <a:pPr marL="171450" indent="-171450" algn="just">
@@ -48182,39 +47921,7 @@
                   <a:schemeClr val="tx1"/>
                 </a:solidFill>
               </a:rPr>
-              <a:t>Value of  fields </a:t>
-            </a:r>
-            <a:r>
-              <a:rPr lang="en-US" altLang="ja-JP" sz="1200" dirty="0" smtClean="0">
-                <a:solidFill>
-                  <a:schemeClr val="tx1"/>
-                </a:solidFill>
-              </a:rPr>
-              <a:t>in this area is</a:t>
-            </a:r>
-            <a:r>
-              <a:rPr lang="en-US" altLang="ja-JP" sz="1200" dirty="0" smtClean="0">
-                <a:solidFill>
-                  <a:schemeClr val="tx1"/>
-                </a:solidFill>
-              </a:rPr>
-              <a:t> </a:t>
-            </a:r>
-            <a:r>
-              <a:rPr lang="en-US" altLang="ja-JP" sz="1200" dirty="0" smtClean="0">
-                <a:solidFill>
-                  <a:schemeClr val="tx1"/>
-                </a:solidFill>
-              </a:rPr>
-              <a:t>used as a condition of the</a:t>
-            </a:r>
-            <a:r>
-              <a:rPr lang="en-US" altLang="ja-JP" sz="1200" dirty="0" smtClean="0">
-                <a:solidFill>
-                  <a:schemeClr val="tx1"/>
-                </a:solidFill>
-              </a:rPr>
-              <a:t> data search.</a:t>
+              <a:t>Value of  fields in this area is used as a condition of the data search.</a:t>
             </a:r>
           </a:p>
           <a:p>
@@ -48319,7 +48026,29 @@
                   <a:schemeClr val="tx1"/>
                 </a:solidFill>
               </a:rPr>
-              <a:t>・</a:t>
+              <a:t>・・・</a:t>
+            </a:r>
+            <a:r>
+              <a:rPr lang="en-US" altLang="ja-JP" sz="1200" dirty="0" smtClean="0">
+                <a:solidFill>
+                  <a:schemeClr val="tx1"/>
+                </a:solidFill>
+              </a:rPr>
+              <a:t>Search data based on “Search Fields” and display it in “Edit Fields Area”.</a:t>
+            </a:r>
+          </a:p>
+          <a:p>
+            <a:pPr marL="171450" indent="-171450" algn="just">
+              <a:buFont typeface="Arial" panose="020B0604020202020204" pitchFamily="34" charset="0"/>
+              <a:buChar char="•"/>
+            </a:pPr>
+            <a:r>
+              <a:rPr lang="en-US" altLang="ja-JP" sz="1200" b="1" u="sng" dirty="0" smtClean="0">
+                <a:solidFill>
+                  <a:schemeClr val="tx1"/>
+                </a:solidFill>
+              </a:rPr>
+              <a:t>Save</a:t>
             </a:r>
             <a:r>
               <a:rPr lang="ja-JP" altLang="en-US" sz="1200" dirty="0" smtClean="0">
@@ -48327,15 +48056,7 @@
                   <a:schemeClr val="tx1"/>
                 </a:solidFill>
               </a:rPr>
-              <a:t>・</a:t>
-            </a:r>
-            <a:r>
-              <a:rPr lang="ja-JP" altLang="en-US" sz="1200" dirty="0" smtClean="0">
-                <a:solidFill>
-                  <a:schemeClr val="tx1"/>
-                </a:solidFill>
-              </a:rPr>
-              <a:t>・</a:t>
+              <a:t>・・・</a:t>
             </a:r>
             <a:r>
               <a:rPr lang="en-US" altLang="ja-JP" sz="1200" dirty="0" smtClean="0">
@@ -48343,7 +48064,53 @@
                   <a:schemeClr val="tx1"/>
                 </a:solidFill>
               </a:rPr>
-              <a:t>Search data based on “Search Fields” and display it in “Edit Fields Area”.</a:t>
+              <a:t>Save data in </a:t>
+            </a:r>
+            <a:r>
+              <a:rPr lang="en-US" altLang="ja-JP" sz="1200" dirty="0">
+                <a:solidFill>
+                  <a:schemeClr val="tx1"/>
+                </a:solidFill>
+              </a:rPr>
+              <a:t>“Edit Fields Area</a:t>
+            </a:r>
+            <a:r>
+              <a:rPr lang="en-US" altLang="ja-JP" sz="1200" dirty="0" smtClean="0">
+                <a:solidFill>
+                  <a:schemeClr val="tx1"/>
+                </a:solidFill>
+              </a:rPr>
+              <a:t>”.</a:t>
+            </a:r>
+          </a:p>
+          <a:p>
+            <a:pPr marL="171450" indent="-171450" algn="just">
+              <a:buFont typeface="Arial" panose="020B0604020202020204" pitchFamily="34" charset="0"/>
+              <a:buChar char="•"/>
+            </a:pPr>
+            <a:r>
+              <a:rPr kumimoji="1" lang="en-US" altLang="ja-JP" sz="1200" b="1" u="sng" dirty="0" smtClean="0">
+                <a:solidFill>
+                  <a:schemeClr val="tx1"/>
+                </a:solidFill>
+              </a:rPr>
+              <a:t>New Record</a:t>
+            </a:r>
+            <a:r>
+              <a:rPr kumimoji="1" lang="ja-JP" altLang="en-US" sz="1200" dirty="0" smtClean="0">
+                <a:solidFill>
+                  <a:schemeClr val="tx1"/>
+                </a:solidFill>
+              </a:rPr>
+              <a:t>・・・</a:t>
+            </a:r>
+            <a:r>
+              <a:rPr kumimoji="1" lang="en-US" altLang="ja-JP" sz="1200" dirty="0" smtClean="0">
+                <a:solidFill>
+                  <a:schemeClr val="tx1"/>
+                </a:solidFill>
+              </a:rPr>
+              <a:t>Display Popup Quick Entry window and can create new record.</a:t>
             </a:r>
             <a:endParaRPr lang="en-US" altLang="ja-JP" sz="1200" dirty="0" smtClean="0">
               <a:solidFill>
@@ -48362,7 +48129,7 @@
                   <a:schemeClr val="tx1"/>
                 </a:solidFill>
               </a:rPr>
-              <a:t>Save</a:t>
+              <a:t>process</a:t>
             </a:r>
             <a:r>
               <a:rPr lang="ja-JP" altLang="en-US" sz="1200" dirty="0" smtClean="0">
@@ -48370,7 +48137,15 @@
                   <a:schemeClr val="tx1"/>
                 </a:solidFill>
               </a:rPr>
-              <a:t>・</a:t>
+              <a:t>・・・</a:t>
+            </a:r>
+            <a:r>
+              <a:rPr lang="en-US" altLang="ja-JP" sz="1200" dirty="0" smtClean="0">
+                <a:solidFill>
+                  <a:schemeClr val="tx1"/>
+                </a:solidFill>
+              </a:rPr>
+              <a:t>Start process.</a:t>
             </a:r>
             <a:r>
               <a:rPr lang="ja-JP" altLang="en-US" sz="1200" dirty="0" smtClean="0">
@@ -48378,148 +48153,6 @@
                   <a:schemeClr val="tx1"/>
                 </a:solidFill>
               </a:rPr>
-              <a:t>・</a:t>
-            </a:r>
-            <a:r>
-              <a:rPr lang="ja-JP" altLang="en-US" sz="1200" dirty="0" smtClean="0">
-                <a:solidFill>
-                  <a:schemeClr val="tx1"/>
-                </a:solidFill>
-              </a:rPr>
-              <a:t>・</a:t>
-            </a:r>
-            <a:r>
-              <a:rPr lang="en-US" altLang="ja-JP" sz="1200" dirty="0" smtClean="0">
-                <a:solidFill>
-                  <a:schemeClr val="tx1"/>
-                </a:solidFill>
-              </a:rPr>
-              <a:t>Save data in </a:t>
-            </a:r>
-            <a:r>
-              <a:rPr lang="en-US" altLang="ja-JP" sz="1200" dirty="0">
-                <a:solidFill>
-                  <a:schemeClr val="tx1"/>
-                </a:solidFill>
-              </a:rPr>
-              <a:t>“Edit Fields Area</a:t>
-            </a:r>
-            <a:r>
-              <a:rPr lang="en-US" altLang="ja-JP" sz="1200" dirty="0" smtClean="0">
-                <a:solidFill>
-                  <a:schemeClr val="tx1"/>
-                </a:solidFill>
-              </a:rPr>
-              <a:t>”.</a:t>
-            </a:r>
-            <a:endParaRPr lang="en-US" altLang="ja-JP" sz="1200" dirty="0" smtClean="0">
-              <a:solidFill>
-                <a:schemeClr val="tx1"/>
-              </a:solidFill>
-            </a:endParaRPr>
-          </a:p>
-          <a:p>
-            <a:pPr marL="171450" indent="-171450" algn="just">
-              <a:buFont typeface="Arial" panose="020B0604020202020204" pitchFamily="34" charset="0"/>
-              <a:buChar char="•"/>
-            </a:pPr>
-            <a:r>
-              <a:rPr kumimoji="1" lang="en-US" altLang="ja-JP" sz="1200" b="1" u="sng" dirty="0" smtClean="0">
-                <a:solidFill>
-                  <a:schemeClr val="tx1"/>
-                </a:solidFill>
-              </a:rPr>
-              <a:t>New Record</a:t>
-            </a:r>
-            <a:r>
-              <a:rPr kumimoji="1" lang="ja-JP" altLang="en-US" sz="1200" dirty="0" smtClean="0">
-                <a:solidFill>
-                  <a:schemeClr val="tx1"/>
-                </a:solidFill>
-              </a:rPr>
-              <a:t>・</a:t>
-            </a:r>
-            <a:r>
-              <a:rPr kumimoji="1" lang="ja-JP" altLang="en-US" sz="1200" dirty="0" smtClean="0">
-                <a:solidFill>
-                  <a:schemeClr val="tx1"/>
-                </a:solidFill>
-              </a:rPr>
-              <a:t>・</a:t>
-            </a:r>
-            <a:r>
-              <a:rPr kumimoji="1" lang="ja-JP" altLang="en-US" sz="1200" dirty="0" smtClean="0">
-                <a:solidFill>
-                  <a:schemeClr val="tx1"/>
-                </a:solidFill>
-              </a:rPr>
-              <a:t>・</a:t>
-            </a:r>
-            <a:r>
-              <a:rPr kumimoji="1" lang="en-US" altLang="ja-JP" sz="1200" dirty="0" smtClean="0">
-                <a:solidFill>
-                  <a:schemeClr val="tx1"/>
-                </a:solidFill>
-              </a:rPr>
-              <a:t>Display Popup Quick Entry window and can create new record.</a:t>
-            </a:r>
-            <a:endParaRPr lang="en-US" altLang="ja-JP" sz="1200" dirty="0" smtClean="0">
-              <a:solidFill>
-                <a:schemeClr val="tx1"/>
-              </a:solidFill>
-            </a:endParaRPr>
-          </a:p>
-          <a:p>
-            <a:pPr marL="171450" indent="-171450" algn="just">
-              <a:buFont typeface="Arial" panose="020B0604020202020204" pitchFamily="34" charset="0"/>
-              <a:buChar char="•"/>
-            </a:pPr>
-            <a:r>
-              <a:rPr lang="en-US" altLang="ja-JP" sz="1200" b="1" u="sng" dirty="0" smtClean="0">
-                <a:solidFill>
-                  <a:schemeClr val="tx1"/>
-                </a:solidFill>
-              </a:rPr>
-              <a:t>process</a:t>
-            </a:r>
-            <a:r>
-              <a:rPr lang="ja-JP" altLang="en-US" sz="1200" dirty="0" smtClean="0">
-                <a:solidFill>
-                  <a:schemeClr val="tx1"/>
-                </a:solidFill>
-              </a:rPr>
-              <a:t>・</a:t>
-            </a:r>
-            <a:r>
-              <a:rPr lang="ja-JP" altLang="en-US" sz="1200" dirty="0" smtClean="0">
-                <a:solidFill>
-                  <a:schemeClr val="tx1"/>
-                </a:solidFill>
-              </a:rPr>
-              <a:t>・</a:t>
-            </a:r>
-            <a:r>
-              <a:rPr lang="ja-JP" altLang="en-US" sz="1200" dirty="0" smtClean="0">
-                <a:solidFill>
-                  <a:schemeClr val="tx1"/>
-                </a:solidFill>
-              </a:rPr>
-              <a:t>・</a:t>
-            </a:r>
-            <a:r>
-              <a:rPr lang="en-US" altLang="ja-JP" sz="1200" dirty="0" smtClean="0">
-                <a:solidFill>
-                  <a:schemeClr val="tx1"/>
-                </a:solidFill>
-              </a:rPr>
-              <a:t>Start process.</a:t>
-            </a:r>
-            <a:r>
-              <a:rPr lang="ja-JP" altLang="en-US" sz="1200" dirty="0" smtClean="0">
-                <a:solidFill>
-                  <a:schemeClr val="tx1"/>
-                </a:solidFill>
-              </a:rPr>
               <a:t>（</a:t>
             </a:r>
             <a:r>
@@ -48528,15 +48161,7 @@
                   <a:srgbClr val="FF3300"/>
                 </a:solidFill>
               </a:rPr>
-              <a:t>※</a:t>
-            </a:r>
-            <a:r>
-              <a:rPr lang="en-US" altLang="ja-JP" sz="1200" b="1" dirty="0" smtClean="0">
-                <a:solidFill>
-                  <a:srgbClr val="FF3300"/>
-                </a:solidFill>
-              </a:rPr>
-              <a:t>Under Development</a:t>
+              <a:t>※Under Development</a:t>
             </a:r>
             <a:r>
               <a:rPr lang="ja-JP" altLang="en-US" sz="1200" dirty="0" smtClean="0">
@@ -53190,15 +52815,7 @@
                   <a:schemeClr val="tx1"/>
                 </a:solidFill>
               </a:rPr>
-              <a:t>that Edit </a:t>
-            </a:r>
-            <a:r>
-              <a:rPr lang="en-US" altLang="ja-JP" sz="1600" dirty="0" smtClean="0">
-                <a:solidFill>
-                  <a:schemeClr val="tx1"/>
-                </a:solidFill>
-              </a:rPr>
-              <a:t>Fields </a:t>
+              <a:t>that Edit Fields </a:t>
             </a:r>
             <a:r>
               <a:rPr lang="en-US" altLang="ja-JP" sz="1600" dirty="0">
@@ -53582,19 +53199,26 @@
           <a:bodyPr/>
           <a:lstStyle/>
           <a:p>
-            <a:r>
-              <a:rPr lang="en-US" altLang="ja-JP" dirty="0"/>
-              <a:t>【</a:t>
-            </a:r>
-            <a:r>
-              <a:rPr lang="ja-JP" altLang="en-US" dirty="0"/>
-              <a:t>マトリクスウィンドウの設定</a:t>
-            </a:r>
-            <a:r>
-              <a:rPr lang="en-US" altLang="ja-JP" dirty="0"/>
-              <a:t>】</a:t>
-            </a:r>
-            <a:endParaRPr kumimoji="1" lang="ja-JP" altLang="en-US" dirty="0"/>
+            <a:pPr>
+              <a:defRPr/>
+            </a:pPr>
+            <a:r>
+              <a:rPr lang="en-US" altLang="ja-JP" dirty="0">
+                <a:solidFill>
+                  <a:schemeClr val="tx2">
+                    <a:lumMod val="75000"/>
+                  </a:schemeClr>
+                </a:solidFill>
+              </a:rPr>
+              <a:t>Configurations</a:t>
+            </a:r>
+            <a:endParaRPr lang="ja-JP" altLang="en-US" dirty="0">
+              <a:solidFill>
+                <a:schemeClr val="tx2">
+                  <a:lumMod val="75000"/>
+                </a:schemeClr>
+              </a:solidFill>
+            </a:endParaRPr>
           </a:p>
         </p:txBody>
       </p:sp>
@@ -54751,19 +54375,26 @@
           <a:bodyPr/>
           <a:lstStyle/>
           <a:p>
-            <a:r>
-              <a:rPr lang="en-US" altLang="ja-JP" dirty="0"/>
-              <a:t>【</a:t>
-            </a:r>
-            <a:r>
-              <a:rPr lang="ja-JP" altLang="en-US" dirty="0"/>
-              <a:t>マトリクスウィンドウの設定</a:t>
-            </a:r>
-            <a:r>
-              <a:rPr lang="en-US" altLang="ja-JP" dirty="0"/>
-              <a:t>】</a:t>
-            </a:r>
-            <a:endParaRPr kumimoji="1" lang="ja-JP" altLang="en-US" dirty="0"/>
+            <a:pPr>
+              <a:defRPr/>
+            </a:pPr>
+            <a:r>
+              <a:rPr lang="en-US" altLang="ja-JP" dirty="0">
+                <a:solidFill>
+                  <a:schemeClr val="tx2">
+                    <a:lumMod val="75000"/>
+                  </a:schemeClr>
+                </a:solidFill>
+              </a:rPr>
+              <a:t>Configurations</a:t>
+            </a:r>
+            <a:endParaRPr lang="ja-JP" altLang="en-US" dirty="0">
+              <a:solidFill>
+                <a:schemeClr val="tx2">
+                  <a:lumMod val="75000"/>
+                </a:schemeClr>
+              </a:solidFill>
+            </a:endParaRPr>
           </a:p>
         </p:txBody>
       </p:sp>
@@ -54988,19 +54619,26 @@
           <a:bodyPr/>
           <a:lstStyle/>
           <a:p>
-            <a:r>
-              <a:rPr lang="en-US" altLang="ja-JP" dirty="0"/>
-              <a:t>【</a:t>
-            </a:r>
-            <a:r>
-              <a:rPr lang="ja-JP" altLang="en-US" dirty="0"/>
-              <a:t>マトリクスウィンドウの設定</a:t>
-            </a:r>
-            <a:r>
-              <a:rPr lang="en-US" altLang="ja-JP" dirty="0"/>
-              <a:t>】</a:t>
-            </a:r>
-            <a:endParaRPr kumimoji="1" lang="ja-JP" altLang="en-US" dirty="0"/>
+            <a:pPr>
+              <a:defRPr/>
+            </a:pPr>
+            <a:r>
+              <a:rPr lang="en-US" altLang="ja-JP" dirty="0">
+                <a:solidFill>
+                  <a:schemeClr val="tx2">
+                    <a:lumMod val="75000"/>
+                  </a:schemeClr>
+                </a:solidFill>
+              </a:rPr>
+              <a:t>Configurations</a:t>
+            </a:r>
+            <a:endParaRPr lang="ja-JP" altLang="en-US" dirty="0">
+              <a:solidFill>
+                <a:schemeClr val="tx2">
+                  <a:lumMod val="75000"/>
+                </a:schemeClr>
+              </a:solidFill>
+            </a:endParaRPr>
           </a:p>
         </p:txBody>
       </p:sp>
@@ -55308,19 +54946,26 @@
           <a:bodyPr/>
           <a:lstStyle/>
           <a:p>
-            <a:r>
-              <a:rPr lang="en-US" altLang="ja-JP" dirty="0"/>
-              <a:t>【</a:t>
-            </a:r>
-            <a:r>
-              <a:rPr lang="ja-JP" altLang="en-US" dirty="0"/>
-              <a:t>マトリクスウィンドウの設定</a:t>
-            </a:r>
-            <a:r>
-              <a:rPr lang="en-US" altLang="ja-JP" dirty="0"/>
-              <a:t>】</a:t>
-            </a:r>
-            <a:endParaRPr kumimoji="1" lang="ja-JP" altLang="en-US" dirty="0"/>
+            <a:pPr>
+              <a:defRPr/>
+            </a:pPr>
+            <a:r>
+              <a:rPr lang="en-US" altLang="ja-JP" dirty="0">
+                <a:solidFill>
+                  <a:schemeClr val="tx2">
+                    <a:lumMod val="75000"/>
+                  </a:schemeClr>
+                </a:solidFill>
+              </a:rPr>
+              <a:t>Configurations</a:t>
+            </a:r>
+            <a:endParaRPr lang="ja-JP" altLang="en-US" dirty="0">
+              <a:solidFill>
+                <a:schemeClr val="tx2">
+                  <a:lumMod val="75000"/>
+                </a:schemeClr>
+              </a:solidFill>
+            </a:endParaRPr>
           </a:p>
         </p:txBody>
       </p:sp>
@@ -55389,17 +55034,14 @@
               <a:defRPr/>
             </a:pPr>
             <a:r>
-              <a:rPr lang="ja-JP" altLang="en-US" sz="1800" b="1" dirty="0" smtClean="0">
+              <a:rPr lang="en-US" altLang="ja-JP" sz="1800" dirty="0" smtClean="0">
                 <a:solidFill>
                   <a:schemeClr val="tx2">
                     <a:lumMod val="75000"/>
                   </a:schemeClr>
                 </a:solidFill>
-                <a:latin typeface="メイリオ" panose="020B0604030504040204" pitchFamily="50" charset="-128"/>
-                <a:ea typeface="メイリオ" panose="020B0604030504040204" pitchFamily="50" charset="-128"/>
-                <a:cs typeface="メイリオ" panose="020B0604030504040204" pitchFamily="50" charset="-128"/>
-              </a:rPr>
-              <a:t>マトリクスウィンドウの設定</a:t>
+              </a:rPr>
+              <a:t>Configurations of Matrix Window</a:t>
             </a:r>
             <a:endParaRPr lang="ja-JP" altLang="en-US" sz="1800" b="1" dirty="0">
               <a:solidFill>

--- a/Doc/JPIERE-0098_MatrixWindow.pptx
+++ b/Doc/JPIERE-0098_MatrixWindow.pptx
@@ -5,10 +5,10 @@
     <p:sldMasterId id="2147484188" r:id="rId1"/>
   </p:sldMasterIdLst>
   <p:notesMasterIdLst>
-    <p:notesMasterId r:id="rId25"/>
+    <p:notesMasterId r:id="rId26"/>
   </p:notesMasterIdLst>
   <p:handoutMasterIdLst>
-    <p:handoutMasterId r:id="rId26"/>
+    <p:handoutMasterId r:id="rId27"/>
   </p:handoutMasterIdLst>
   <p:sldIdLst>
     <p:sldId id="256" r:id="rId2"/>
@@ -22,18 +22,19 @@
     <p:sldId id="1224" r:id="rId10"/>
     <p:sldId id="1202" r:id="rId11"/>
     <p:sldId id="1211" r:id="rId12"/>
-    <p:sldId id="1213" r:id="rId13"/>
-    <p:sldId id="1215" r:id="rId14"/>
-    <p:sldId id="1227" r:id="rId15"/>
-    <p:sldId id="1214" r:id="rId16"/>
-    <p:sldId id="1208" r:id="rId17"/>
-    <p:sldId id="1217" r:id="rId18"/>
-    <p:sldId id="1207" r:id="rId19"/>
-    <p:sldId id="1218" r:id="rId20"/>
-    <p:sldId id="1216" r:id="rId21"/>
-    <p:sldId id="1219" r:id="rId22"/>
-    <p:sldId id="1222" r:id="rId23"/>
-    <p:sldId id="1177" r:id="rId24"/>
+    <p:sldId id="1228" r:id="rId13"/>
+    <p:sldId id="1213" r:id="rId14"/>
+    <p:sldId id="1215" r:id="rId15"/>
+    <p:sldId id="1227" r:id="rId16"/>
+    <p:sldId id="1214" r:id="rId17"/>
+    <p:sldId id="1208" r:id="rId18"/>
+    <p:sldId id="1217" r:id="rId19"/>
+    <p:sldId id="1207" r:id="rId20"/>
+    <p:sldId id="1218" r:id="rId21"/>
+    <p:sldId id="1216" r:id="rId22"/>
+    <p:sldId id="1219" r:id="rId23"/>
+    <p:sldId id="1222" r:id="rId24"/>
+    <p:sldId id="1177" r:id="rId25"/>
   </p:sldIdLst>
   <p:sldSz cx="9144000" cy="6858000" type="screen4x3"/>
   <p:notesSz cx="6742113" cy="9872663"/>
@@ -2014,7 +2015,7 @@
           <a:p>
             <a:fld id="{D2B9E0EA-6101-4826-8EB2-593C6C3A4928}" type="datetimeFigureOut">
               <a:rPr kumimoji="1" lang="ja-JP" altLang="en-US" smtClean="0"/>
-              <a:t>2015/8/1</a:t>
+              <a:t>2015/8/4</a:t>
             </a:fld>
             <a:endParaRPr kumimoji="1" lang="ja-JP" altLang="en-US"/>
           </a:p>
@@ -6236,7 +6237,7 @@
                 <a:latin typeface="HGPｺﾞｼｯｸM" pitchFamily="50" charset="-128"/>
                 <a:ea typeface="HGPｺﾞｼｯｸM" pitchFamily="50" charset="-128"/>
               </a:rPr>
-              <a:t>Matrix Column Key*</a:t>
+              <a:t>column Key Field*</a:t>
             </a:r>
             <a:endParaRPr lang="ja-JP" altLang="en-US" sz="800" dirty="0">
               <a:solidFill>
@@ -6353,7 +6354,7 @@
                 <a:latin typeface="HGPｺﾞｼｯｸM" pitchFamily="50" charset="-128"/>
                 <a:ea typeface="HGPｺﾞｼｯｸM" pitchFamily="50" charset="-128"/>
               </a:rPr>
-              <a:t>Matrix Row Key*</a:t>
+              <a:t>Row Key Field*</a:t>
             </a:r>
             <a:endParaRPr lang="ja-JP" altLang="en-US" sz="800" dirty="0">
               <a:solidFill>
@@ -7452,23 +7453,7 @@
                   <a:schemeClr val="tx1"/>
                 </a:solidFill>
               </a:rPr>
-              <a:t>…Matrix Window is created from a Tab in the window. </a:t>
-            </a:r>
-            <a:r>
-              <a:rPr lang="en-US" altLang="ja-JP" sz="1000" dirty="0" smtClean="0">
-                <a:solidFill>
-                  <a:schemeClr val="tx1"/>
-                </a:solidFill>
-              </a:rPr>
-              <a:t>If </a:t>
-            </a:r>
-            <a:r>
-              <a:rPr lang="en-US" altLang="ja-JP" sz="1000" dirty="0" smtClean="0">
-                <a:solidFill>
-                  <a:schemeClr val="tx1"/>
-                </a:solidFill>
-              </a:rPr>
-              <a:t>tab is read only, Matrix Window become a read only window.</a:t>
+              <a:t>…Matrix Window is created from a Tab in the window. If tab is read only, Matrix Window become a read only window.</a:t>
             </a:r>
           </a:p>
           <a:p>
@@ -7507,28 +7492,20 @@
               <a:buChar char="•"/>
             </a:pPr>
             <a:r>
+              <a:rPr lang="en-US" altLang="ja-JP" sz="1000" u="sng" dirty="0" err="1" smtClean="0">
+                <a:solidFill>
+                  <a:schemeClr val="tx1"/>
+                </a:solidFill>
+              </a:rPr>
+              <a:t>Cokumn</a:t>
+            </a:r>
+            <a:r>
               <a:rPr lang="en-US" altLang="ja-JP" sz="1000" u="sng" dirty="0" smtClean="0">
                 <a:solidFill>
                   <a:schemeClr val="tx1"/>
                 </a:solidFill>
               </a:rPr>
-              <a:t>Matrix </a:t>
-            </a:r>
-            <a:r>
-              <a:rPr lang="en-US" altLang="ja-JP" sz="1000" u="sng" dirty="0" err="1" smtClean="0">
-                <a:solidFill>
-                  <a:schemeClr val="tx1"/>
-                </a:solidFill>
-              </a:rPr>
-              <a:t>Cokumn</a:t>
-            </a:r>
-            <a:r>
-              <a:rPr lang="en-US" altLang="ja-JP" sz="1000" u="sng" dirty="0" smtClean="0">
-                <a:solidFill>
-                  <a:schemeClr val="tx1"/>
-                </a:solidFill>
-              </a:rPr>
-              <a:t> Key</a:t>
+              <a:t> Key Field</a:t>
             </a:r>
             <a:r>
               <a:rPr lang="en-US" altLang="ja-JP" sz="1000" dirty="0" smtClean="0">
@@ -7536,7 +7513,15 @@
                   <a:schemeClr val="tx1"/>
                 </a:solidFill>
               </a:rPr>
-              <a:t>…Select fields that Key of Column(X-Axis).</a:t>
+              <a:t>…Select </a:t>
+            </a:r>
+            <a:r>
+              <a:rPr lang="en-US" altLang="ja-JP" sz="1000" dirty="0" smtClean="0">
+                <a:solidFill>
+                  <a:schemeClr val="tx1"/>
+                </a:solidFill>
+              </a:rPr>
+              <a:t>fields that Key of Column(X-Axis).</a:t>
             </a:r>
           </a:p>
           <a:p>
@@ -7550,7 +7535,15 @@
                   <a:schemeClr val="tx1"/>
                 </a:solidFill>
               </a:rPr>
-              <a:t>Matrix Row Key</a:t>
+              <a:t>Row Key Field</a:t>
+            </a:r>
+            <a:r>
+              <a:rPr lang="en-US" altLang="ja-JP" sz="1000" dirty="0" smtClean="0">
+                <a:solidFill>
+                  <a:schemeClr val="tx1"/>
+                </a:solidFill>
+              </a:rPr>
+              <a:t>…Select </a:t>
             </a:r>
             <a:r>
               <a:rPr lang="en-US" altLang="ja-JP" sz="1000" dirty="0">
@@ -7558,7 +7551,7 @@
                   <a:schemeClr val="tx1"/>
                 </a:solidFill>
               </a:rPr>
-              <a:t>…Select fields that Key of </a:t>
+              <a:t>fields that Key of </a:t>
             </a:r>
             <a:r>
               <a:rPr lang="en-US" altLang="ja-JP" sz="1000" dirty="0" smtClean="0">
@@ -8667,6 +8660,791 @@
 </file>
 
 <file path=ppt/slides/slide12.xml><?xml version="1.0" encoding="utf-8"?>
+<p:sld xmlns:a="http://schemas.openxmlformats.org/drawingml/2006/main" xmlns:r="http://schemas.openxmlformats.org/officeDocument/2006/relationships" xmlns:p="http://schemas.openxmlformats.org/presentationml/2006/main">
+  <p:cSld>
+    <p:spTree>
+      <p:nvGrpSpPr>
+        <p:cNvPr id="1" name=""/>
+        <p:cNvGrpSpPr/>
+        <p:nvPr/>
+      </p:nvGrpSpPr>
+      <p:grpSpPr>
+        <a:xfrm>
+          <a:off x="0" y="0"/>
+          <a:ext cx="0" cy="0"/>
+          <a:chOff x="0" y="0"/>
+          <a:chExt cx="0" cy="0"/>
+        </a:xfrm>
+      </p:grpSpPr>
+      <p:sp>
+        <p:nvSpPr>
+          <p:cNvPr id="2" name="タイトル 1"/>
+          <p:cNvSpPr>
+            <a:spLocks noGrp="1"/>
+          </p:cNvSpPr>
+          <p:nvPr>
+            <p:ph type="title"/>
+          </p:nvPr>
+        </p:nvSpPr>
+        <p:spPr/>
+        <p:txBody>
+          <a:bodyPr/>
+          <a:lstStyle/>
+          <a:p>
+            <a:r>
+              <a:rPr lang="en-US" altLang="ja-JP" dirty="0">
+                <a:solidFill>
+                  <a:schemeClr val="tx2">
+                    <a:lumMod val="75000"/>
+                  </a:schemeClr>
+                </a:solidFill>
+              </a:rPr>
+              <a:t>Configurations</a:t>
+            </a:r>
+            <a:endParaRPr kumimoji="1" lang="ja-JP" altLang="en-US" dirty="0"/>
+          </a:p>
+        </p:txBody>
+      </p:sp>
+      <p:sp>
+        <p:nvSpPr>
+          <p:cNvPr id="4" name="テキスト ボックス 3"/>
+          <p:cNvSpPr txBox="1"/>
+          <p:nvPr/>
+        </p:nvSpPr>
+        <p:spPr>
+          <a:xfrm>
+            <a:off x="265112" y="980728"/>
+            <a:ext cx="8626408" cy="1368152"/>
+          </a:xfrm>
+          <a:prstGeom prst="rect">
+            <a:avLst/>
+          </a:prstGeom>
+          <a:noFill/>
+          <a:ln>
+            <a:noFill/>
+          </a:ln>
+        </p:spPr>
+        <p:style>
+          <a:lnRef idx="2">
+            <a:schemeClr val="accent1">
+              <a:shade val="50000"/>
+            </a:schemeClr>
+          </a:lnRef>
+          <a:fillRef idx="1">
+            <a:schemeClr val="accent1"/>
+          </a:fillRef>
+          <a:effectRef idx="0">
+            <a:schemeClr val="accent1"/>
+          </a:effectRef>
+          <a:fontRef idx="minor">
+            <a:schemeClr val="lt1"/>
+          </a:fontRef>
+        </p:style>
+        <p:txBody>
+          <a:bodyPr rtlCol="0" anchor="t"/>
+          <a:lstStyle>
+            <a:defPPr>
+              <a:defRPr lang="ja-JP"/>
+            </a:defPPr>
+            <a:lvl1pPr marL="0" indent="0" algn="just" eaLnBrk="1" hangingPunct="1">
+              <a:lnSpc>
+                <a:spcPct val="120000"/>
+              </a:lnSpc>
+              <a:spcBef>
+                <a:spcPts val="1200"/>
+              </a:spcBef>
+              <a:buNone/>
+              <a:defRPr sz="1800" kern="0">
+                <a:latin typeface="メイリオ" panose="020B0604030504040204" pitchFamily="50" charset="-128"/>
+                <a:ea typeface="メイリオ" panose="020B0604030504040204" pitchFamily="50" charset="-128"/>
+                <a:cs typeface="メイリオ" panose="020B0604030504040204" pitchFamily="50" charset="-128"/>
+              </a:defRPr>
+            </a:lvl1pPr>
+            <a:lvl2pPr>
+              <a:defRPr>
+                <a:solidFill>
+                  <a:schemeClr val="lt1"/>
+                </a:solidFill>
+                <a:latin typeface="+mn-lt"/>
+                <a:ea typeface="+mn-ea"/>
+              </a:defRPr>
+            </a:lvl2pPr>
+            <a:lvl3pPr>
+              <a:defRPr>
+                <a:solidFill>
+                  <a:schemeClr val="lt1"/>
+                </a:solidFill>
+                <a:latin typeface="+mn-lt"/>
+                <a:ea typeface="+mn-ea"/>
+              </a:defRPr>
+            </a:lvl3pPr>
+            <a:lvl4pPr>
+              <a:defRPr>
+                <a:solidFill>
+                  <a:schemeClr val="lt1"/>
+                </a:solidFill>
+                <a:latin typeface="+mn-lt"/>
+                <a:ea typeface="+mn-ea"/>
+              </a:defRPr>
+            </a:lvl4pPr>
+            <a:lvl5pPr>
+              <a:defRPr>
+                <a:solidFill>
+                  <a:schemeClr val="lt1"/>
+                </a:solidFill>
+                <a:latin typeface="+mn-lt"/>
+                <a:ea typeface="+mn-ea"/>
+              </a:defRPr>
+            </a:lvl5pPr>
+            <a:lvl6pPr>
+              <a:defRPr>
+                <a:solidFill>
+                  <a:schemeClr val="lt1"/>
+                </a:solidFill>
+                <a:latin typeface="+mn-lt"/>
+                <a:ea typeface="+mn-ea"/>
+              </a:defRPr>
+            </a:lvl6pPr>
+            <a:lvl7pPr>
+              <a:defRPr>
+                <a:solidFill>
+                  <a:schemeClr val="lt1"/>
+                </a:solidFill>
+                <a:latin typeface="+mn-lt"/>
+                <a:ea typeface="+mn-ea"/>
+              </a:defRPr>
+            </a:lvl7pPr>
+            <a:lvl8pPr>
+              <a:defRPr>
+                <a:solidFill>
+                  <a:schemeClr val="lt1"/>
+                </a:solidFill>
+                <a:latin typeface="+mn-lt"/>
+                <a:ea typeface="+mn-ea"/>
+              </a:defRPr>
+            </a:lvl8pPr>
+            <a:lvl9pPr>
+              <a:defRPr>
+                <a:solidFill>
+                  <a:schemeClr val="lt1"/>
+                </a:solidFill>
+                <a:latin typeface="+mn-lt"/>
+                <a:ea typeface="+mn-ea"/>
+              </a:defRPr>
+            </a:lvl9pPr>
+          </a:lstStyle>
+          <a:p>
+            <a:pPr marL="285750" indent="-285750">
+              <a:buFont typeface="Arial" panose="020B0604020202020204" pitchFamily="34" charset="0"/>
+              <a:buChar char="•"/>
+            </a:pPr>
+            <a:r>
+              <a:rPr lang="en-US" altLang="ja-JP" dirty="0" smtClean="0">
+                <a:solidFill>
+                  <a:schemeClr val="tx1"/>
+                </a:solidFill>
+              </a:rPr>
+              <a:t>When reference of Matrix Column Key field is “Table” or “Search”, </a:t>
+            </a:r>
+            <a:r>
+              <a:rPr lang="en-US" altLang="ja-JP" dirty="0" err="1" smtClean="0">
+                <a:solidFill>
+                  <a:schemeClr val="tx1"/>
+                </a:solidFill>
+              </a:rPr>
+              <a:t>Sql</a:t>
+            </a:r>
+            <a:r>
+              <a:rPr lang="en-US" altLang="ja-JP" dirty="0" smtClean="0">
+                <a:solidFill>
+                  <a:schemeClr val="tx1"/>
+                </a:solidFill>
+              </a:rPr>
+              <a:t> ORDER By” at Table validation is applied.</a:t>
+            </a:r>
+          </a:p>
+          <a:p>
+            <a:pPr marL="285750" indent="-285750">
+              <a:buFont typeface="Arial" panose="020B0604020202020204" pitchFamily="34" charset="0"/>
+              <a:buChar char="•"/>
+            </a:pPr>
+            <a:r>
+              <a:rPr lang="en-US" altLang="ja-JP" dirty="0" smtClean="0">
+                <a:solidFill>
+                  <a:schemeClr val="tx1"/>
+                </a:solidFill>
+              </a:rPr>
+              <a:t>In case of the other, Value of Matrix Column key field in ascending order.</a:t>
+            </a:r>
+            <a:endParaRPr lang="ja-JP" altLang="en-US" dirty="0">
+              <a:solidFill>
+                <a:schemeClr val="tx1"/>
+              </a:solidFill>
+            </a:endParaRPr>
+          </a:p>
+        </p:txBody>
+      </p:sp>
+      <p:cxnSp>
+        <p:nvCxnSpPr>
+          <p:cNvPr id="5" name="直線コネクタ 4"/>
+          <p:cNvCxnSpPr/>
+          <p:nvPr/>
+        </p:nvCxnSpPr>
+        <p:spPr>
+          <a:xfrm>
+            <a:off x="323528" y="980728"/>
+            <a:ext cx="8567992" cy="0"/>
+          </a:xfrm>
+          <a:prstGeom prst="line">
+            <a:avLst/>
+          </a:prstGeom>
+          <a:ln w="25400"/>
+        </p:spPr>
+        <p:style>
+          <a:lnRef idx="1">
+            <a:schemeClr val="accent1"/>
+          </a:lnRef>
+          <a:fillRef idx="0">
+            <a:schemeClr val="accent1"/>
+          </a:fillRef>
+          <a:effectRef idx="0">
+            <a:schemeClr val="accent1"/>
+          </a:effectRef>
+          <a:fontRef idx="minor">
+            <a:schemeClr val="tx1"/>
+          </a:fontRef>
+        </p:style>
+      </p:cxnSp>
+      <p:sp>
+        <p:nvSpPr>
+          <p:cNvPr id="6" name="テキスト ボックス 5"/>
+          <p:cNvSpPr txBox="1"/>
+          <p:nvPr/>
+        </p:nvSpPr>
+        <p:spPr>
+          <a:xfrm>
+            <a:off x="251520" y="548680"/>
+            <a:ext cx="8626408" cy="432048"/>
+          </a:xfrm>
+          <a:prstGeom prst="rect">
+            <a:avLst/>
+          </a:prstGeom>
+          <a:noFill/>
+          <a:ln>
+            <a:noFill/>
+          </a:ln>
+        </p:spPr>
+        <p:style>
+          <a:lnRef idx="2">
+            <a:schemeClr val="accent1">
+              <a:shade val="50000"/>
+            </a:schemeClr>
+          </a:lnRef>
+          <a:fillRef idx="1">
+            <a:schemeClr val="accent1"/>
+          </a:fillRef>
+          <a:effectRef idx="0">
+            <a:schemeClr val="accent1"/>
+          </a:effectRef>
+          <a:fontRef idx="minor">
+            <a:schemeClr val="lt1"/>
+          </a:fontRef>
+        </p:style>
+        <p:txBody>
+          <a:bodyPr rtlCol="0" anchor="t"/>
+          <a:lstStyle>
+            <a:defPPr>
+              <a:defRPr lang="ja-JP"/>
+            </a:defPPr>
+            <a:lvl1pPr marL="0" indent="0" algn="just" eaLnBrk="1" hangingPunct="1">
+              <a:lnSpc>
+                <a:spcPct val="120000"/>
+              </a:lnSpc>
+              <a:spcBef>
+                <a:spcPts val="1200"/>
+              </a:spcBef>
+              <a:buNone/>
+              <a:defRPr sz="1800" kern="0">
+                <a:latin typeface="メイリオ" panose="020B0604030504040204" pitchFamily="50" charset="-128"/>
+                <a:ea typeface="メイリオ" panose="020B0604030504040204" pitchFamily="50" charset="-128"/>
+                <a:cs typeface="メイリオ" panose="020B0604030504040204" pitchFamily="50" charset="-128"/>
+              </a:defRPr>
+            </a:lvl1pPr>
+            <a:lvl2pPr>
+              <a:defRPr>
+                <a:solidFill>
+                  <a:schemeClr val="lt1"/>
+                </a:solidFill>
+                <a:latin typeface="+mn-lt"/>
+                <a:ea typeface="+mn-ea"/>
+              </a:defRPr>
+            </a:lvl2pPr>
+            <a:lvl3pPr>
+              <a:defRPr>
+                <a:solidFill>
+                  <a:schemeClr val="lt1"/>
+                </a:solidFill>
+                <a:latin typeface="+mn-lt"/>
+                <a:ea typeface="+mn-ea"/>
+              </a:defRPr>
+            </a:lvl3pPr>
+            <a:lvl4pPr>
+              <a:defRPr>
+                <a:solidFill>
+                  <a:schemeClr val="lt1"/>
+                </a:solidFill>
+                <a:latin typeface="+mn-lt"/>
+                <a:ea typeface="+mn-ea"/>
+              </a:defRPr>
+            </a:lvl4pPr>
+            <a:lvl5pPr>
+              <a:defRPr>
+                <a:solidFill>
+                  <a:schemeClr val="lt1"/>
+                </a:solidFill>
+                <a:latin typeface="+mn-lt"/>
+                <a:ea typeface="+mn-ea"/>
+              </a:defRPr>
+            </a:lvl5pPr>
+            <a:lvl6pPr>
+              <a:defRPr>
+                <a:solidFill>
+                  <a:schemeClr val="lt1"/>
+                </a:solidFill>
+                <a:latin typeface="+mn-lt"/>
+                <a:ea typeface="+mn-ea"/>
+              </a:defRPr>
+            </a:lvl6pPr>
+            <a:lvl7pPr>
+              <a:defRPr>
+                <a:solidFill>
+                  <a:schemeClr val="lt1"/>
+                </a:solidFill>
+                <a:latin typeface="+mn-lt"/>
+                <a:ea typeface="+mn-ea"/>
+              </a:defRPr>
+            </a:lvl7pPr>
+            <a:lvl8pPr>
+              <a:defRPr>
+                <a:solidFill>
+                  <a:schemeClr val="lt1"/>
+                </a:solidFill>
+                <a:latin typeface="+mn-lt"/>
+                <a:ea typeface="+mn-ea"/>
+              </a:defRPr>
+            </a:lvl8pPr>
+            <a:lvl9pPr>
+              <a:defRPr>
+                <a:solidFill>
+                  <a:schemeClr val="lt1"/>
+                </a:solidFill>
+                <a:latin typeface="+mn-lt"/>
+                <a:ea typeface="+mn-ea"/>
+              </a:defRPr>
+            </a:lvl9pPr>
+          </a:lstStyle>
+          <a:p>
+            <a:r>
+              <a:rPr lang="ja-JP" altLang="en-US" dirty="0" smtClean="0">
+                <a:solidFill>
+                  <a:schemeClr val="tx1"/>
+                </a:solidFill>
+              </a:rPr>
+              <a:t>◆</a:t>
+            </a:r>
+            <a:r>
+              <a:rPr lang="en-US" altLang="ja-JP" dirty="0" smtClean="0">
+                <a:solidFill>
+                  <a:schemeClr val="tx1"/>
+                </a:solidFill>
+              </a:rPr>
+              <a:t>Sort of Column control</a:t>
+            </a:r>
+            <a:endParaRPr lang="en-US" altLang="ja-JP" dirty="0">
+              <a:solidFill>
+                <a:schemeClr val="tx1"/>
+              </a:solidFill>
+            </a:endParaRPr>
+          </a:p>
+        </p:txBody>
+      </p:sp>
+      <p:cxnSp>
+        <p:nvCxnSpPr>
+          <p:cNvPr id="8" name="直線コネクタ 7"/>
+          <p:cNvCxnSpPr/>
+          <p:nvPr/>
+        </p:nvCxnSpPr>
+        <p:spPr>
+          <a:xfrm>
+            <a:off x="323528" y="3140968"/>
+            <a:ext cx="8567992" cy="0"/>
+          </a:xfrm>
+          <a:prstGeom prst="line">
+            <a:avLst/>
+          </a:prstGeom>
+          <a:ln w="25400"/>
+        </p:spPr>
+        <p:style>
+          <a:lnRef idx="1">
+            <a:schemeClr val="accent1"/>
+          </a:lnRef>
+          <a:fillRef idx="0">
+            <a:schemeClr val="accent1"/>
+          </a:fillRef>
+          <a:effectRef idx="0">
+            <a:schemeClr val="accent1"/>
+          </a:effectRef>
+          <a:fontRef idx="minor">
+            <a:schemeClr val="tx1"/>
+          </a:fontRef>
+        </p:style>
+      </p:cxnSp>
+      <p:sp>
+        <p:nvSpPr>
+          <p:cNvPr id="9" name="テキスト ボックス 8"/>
+          <p:cNvSpPr txBox="1"/>
+          <p:nvPr/>
+        </p:nvSpPr>
+        <p:spPr>
+          <a:xfrm>
+            <a:off x="251520" y="2708920"/>
+            <a:ext cx="8626408" cy="432048"/>
+          </a:xfrm>
+          <a:prstGeom prst="rect">
+            <a:avLst/>
+          </a:prstGeom>
+          <a:noFill/>
+          <a:ln>
+            <a:noFill/>
+          </a:ln>
+        </p:spPr>
+        <p:style>
+          <a:lnRef idx="2">
+            <a:schemeClr val="accent1">
+              <a:shade val="50000"/>
+            </a:schemeClr>
+          </a:lnRef>
+          <a:fillRef idx="1">
+            <a:schemeClr val="accent1"/>
+          </a:fillRef>
+          <a:effectRef idx="0">
+            <a:schemeClr val="accent1"/>
+          </a:effectRef>
+          <a:fontRef idx="minor">
+            <a:schemeClr val="lt1"/>
+          </a:fontRef>
+        </p:style>
+        <p:txBody>
+          <a:bodyPr rtlCol="0" anchor="t"/>
+          <a:lstStyle>
+            <a:defPPr>
+              <a:defRPr lang="ja-JP"/>
+            </a:defPPr>
+            <a:lvl1pPr marL="0" indent="0" algn="just" eaLnBrk="1" hangingPunct="1">
+              <a:lnSpc>
+                <a:spcPct val="120000"/>
+              </a:lnSpc>
+              <a:spcBef>
+                <a:spcPts val="1200"/>
+              </a:spcBef>
+              <a:buNone/>
+              <a:defRPr sz="1800" kern="0">
+                <a:latin typeface="メイリオ" panose="020B0604030504040204" pitchFamily="50" charset="-128"/>
+                <a:ea typeface="メイリオ" panose="020B0604030504040204" pitchFamily="50" charset="-128"/>
+                <a:cs typeface="メイリオ" panose="020B0604030504040204" pitchFamily="50" charset="-128"/>
+              </a:defRPr>
+            </a:lvl1pPr>
+            <a:lvl2pPr>
+              <a:defRPr>
+                <a:solidFill>
+                  <a:schemeClr val="lt1"/>
+                </a:solidFill>
+                <a:latin typeface="+mn-lt"/>
+                <a:ea typeface="+mn-ea"/>
+              </a:defRPr>
+            </a:lvl2pPr>
+            <a:lvl3pPr>
+              <a:defRPr>
+                <a:solidFill>
+                  <a:schemeClr val="lt1"/>
+                </a:solidFill>
+                <a:latin typeface="+mn-lt"/>
+                <a:ea typeface="+mn-ea"/>
+              </a:defRPr>
+            </a:lvl3pPr>
+            <a:lvl4pPr>
+              <a:defRPr>
+                <a:solidFill>
+                  <a:schemeClr val="lt1"/>
+                </a:solidFill>
+                <a:latin typeface="+mn-lt"/>
+                <a:ea typeface="+mn-ea"/>
+              </a:defRPr>
+            </a:lvl4pPr>
+            <a:lvl5pPr>
+              <a:defRPr>
+                <a:solidFill>
+                  <a:schemeClr val="lt1"/>
+                </a:solidFill>
+                <a:latin typeface="+mn-lt"/>
+                <a:ea typeface="+mn-ea"/>
+              </a:defRPr>
+            </a:lvl5pPr>
+            <a:lvl6pPr>
+              <a:defRPr>
+                <a:solidFill>
+                  <a:schemeClr val="lt1"/>
+                </a:solidFill>
+                <a:latin typeface="+mn-lt"/>
+                <a:ea typeface="+mn-ea"/>
+              </a:defRPr>
+            </a:lvl6pPr>
+            <a:lvl7pPr>
+              <a:defRPr>
+                <a:solidFill>
+                  <a:schemeClr val="lt1"/>
+                </a:solidFill>
+                <a:latin typeface="+mn-lt"/>
+                <a:ea typeface="+mn-ea"/>
+              </a:defRPr>
+            </a:lvl7pPr>
+            <a:lvl8pPr>
+              <a:defRPr>
+                <a:solidFill>
+                  <a:schemeClr val="lt1"/>
+                </a:solidFill>
+                <a:latin typeface="+mn-lt"/>
+                <a:ea typeface="+mn-ea"/>
+              </a:defRPr>
+            </a:lvl8pPr>
+            <a:lvl9pPr>
+              <a:defRPr>
+                <a:solidFill>
+                  <a:schemeClr val="lt1"/>
+                </a:solidFill>
+                <a:latin typeface="+mn-lt"/>
+                <a:ea typeface="+mn-ea"/>
+              </a:defRPr>
+            </a:lvl9pPr>
+          </a:lstStyle>
+          <a:p>
+            <a:r>
+              <a:rPr lang="ja-JP" altLang="en-US" dirty="0" smtClean="0">
+                <a:solidFill>
+                  <a:schemeClr val="tx1"/>
+                </a:solidFill>
+              </a:rPr>
+              <a:t>◆</a:t>
+            </a:r>
+            <a:r>
+              <a:rPr lang="en-US" altLang="ja-JP" dirty="0" smtClean="0">
+                <a:solidFill>
+                  <a:schemeClr val="tx1"/>
+                </a:solidFill>
+              </a:rPr>
+              <a:t>Sort or row control</a:t>
+            </a:r>
+            <a:endParaRPr lang="en-US" altLang="ja-JP" dirty="0">
+              <a:solidFill>
+                <a:schemeClr val="tx1"/>
+              </a:solidFill>
+            </a:endParaRPr>
+          </a:p>
+        </p:txBody>
+      </p:sp>
+      <p:sp>
+        <p:nvSpPr>
+          <p:cNvPr id="10" name="テキスト ボックス 9"/>
+          <p:cNvSpPr txBox="1"/>
+          <p:nvPr/>
+        </p:nvSpPr>
+        <p:spPr>
+          <a:xfrm>
+            <a:off x="274618" y="3140968"/>
+            <a:ext cx="8626408" cy="1368152"/>
+          </a:xfrm>
+          <a:prstGeom prst="rect">
+            <a:avLst/>
+          </a:prstGeom>
+          <a:noFill/>
+          <a:ln>
+            <a:noFill/>
+          </a:ln>
+        </p:spPr>
+        <p:style>
+          <a:lnRef idx="2">
+            <a:schemeClr val="accent1">
+              <a:shade val="50000"/>
+            </a:schemeClr>
+          </a:lnRef>
+          <a:fillRef idx="1">
+            <a:schemeClr val="accent1"/>
+          </a:fillRef>
+          <a:effectRef idx="0">
+            <a:schemeClr val="accent1"/>
+          </a:effectRef>
+          <a:fontRef idx="minor">
+            <a:schemeClr val="lt1"/>
+          </a:fontRef>
+        </p:style>
+        <p:txBody>
+          <a:bodyPr rtlCol="0" anchor="t"/>
+          <a:lstStyle>
+            <a:defPPr>
+              <a:defRPr lang="ja-JP"/>
+            </a:defPPr>
+            <a:lvl1pPr marL="0" indent="0" algn="just" eaLnBrk="1" hangingPunct="1">
+              <a:lnSpc>
+                <a:spcPct val="120000"/>
+              </a:lnSpc>
+              <a:spcBef>
+                <a:spcPts val="1200"/>
+              </a:spcBef>
+              <a:buNone/>
+              <a:defRPr sz="1800" kern="0">
+                <a:latin typeface="メイリオ" panose="020B0604030504040204" pitchFamily="50" charset="-128"/>
+                <a:ea typeface="メイリオ" panose="020B0604030504040204" pitchFamily="50" charset="-128"/>
+                <a:cs typeface="メイリオ" panose="020B0604030504040204" pitchFamily="50" charset="-128"/>
+              </a:defRPr>
+            </a:lvl1pPr>
+            <a:lvl2pPr>
+              <a:defRPr>
+                <a:solidFill>
+                  <a:schemeClr val="lt1"/>
+                </a:solidFill>
+                <a:latin typeface="+mn-lt"/>
+                <a:ea typeface="+mn-ea"/>
+              </a:defRPr>
+            </a:lvl2pPr>
+            <a:lvl3pPr>
+              <a:defRPr>
+                <a:solidFill>
+                  <a:schemeClr val="lt1"/>
+                </a:solidFill>
+                <a:latin typeface="+mn-lt"/>
+                <a:ea typeface="+mn-ea"/>
+              </a:defRPr>
+            </a:lvl3pPr>
+            <a:lvl4pPr>
+              <a:defRPr>
+                <a:solidFill>
+                  <a:schemeClr val="lt1"/>
+                </a:solidFill>
+                <a:latin typeface="+mn-lt"/>
+                <a:ea typeface="+mn-ea"/>
+              </a:defRPr>
+            </a:lvl4pPr>
+            <a:lvl5pPr>
+              <a:defRPr>
+                <a:solidFill>
+                  <a:schemeClr val="lt1"/>
+                </a:solidFill>
+                <a:latin typeface="+mn-lt"/>
+                <a:ea typeface="+mn-ea"/>
+              </a:defRPr>
+            </a:lvl5pPr>
+            <a:lvl6pPr>
+              <a:defRPr>
+                <a:solidFill>
+                  <a:schemeClr val="lt1"/>
+                </a:solidFill>
+                <a:latin typeface="+mn-lt"/>
+                <a:ea typeface="+mn-ea"/>
+              </a:defRPr>
+            </a:lvl6pPr>
+            <a:lvl7pPr>
+              <a:defRPr>
+                <a:solidFill>
+                  <a:schemeClr val="lt1"/>
+                </a:solidFill>
+                <a:latin typeface="+mn-lt"/>
+                <a:ea typeface="+mn-ea"/>
+              </a:defRPr>
+            </a:lvl7pPr>
+            <a:lvl8pPr>
+              <a:defRPr>
+                <a:solidFill>
+                  <a:schemeClr val="lt1"/>
+                </a:solidFill>
+                <a:latin typeface="+mn-lt"/>
+                <a:ea typeface="+mn-ea"/>
+              </a:defRPr>
+            </a:lvl8pPr>
+            <a:lvl9pPr>
+              <a:defRPr>
+                <a:solidFill>
+                  <a:schemeClr val="lt1"/>
+                </a:solidFill>
+                <a:latin typeface="+mn-lt"/>
+                <a:ea typeface="+mn-ea"/>
+              </a:defRPr>
+            </a:lvl9pPr>
+          </a:lstStyle>
+          <a:p>
+            <a:pPr marL="285750" indent="-285750">
+              <a:buFont typeface="Arial" panose="020B0604020202020204" pitchFamily="34" charset="0"/>
+              <a:buChar char="•"/>
+            </a:pPr>
+            <a:r>
+              <a:rPr lang="en-US" altLang="ja-JP" dirty="0" smtClean="0">
+                <a:solidFill>
+                  <a:schemeClr val="tx1"/>
+                </a:solidFill>
+              </a:rPr>
+              <a:t>When reference of Matrix Row Key field is “Table” or “Search”, </a:t>
+            </a:r>
+            <a:r>
+              <a:rPr lang="en-US" altLang="ja-JP" dirty="0" err="1" smtClean="0">
+                <a:solidFill>
+                  <a:schemeClr val="tx1"/>
+                </a:solidFill>
+              </a:rPr>
+              <a:t>Sql</a:t>
+            </a:r>
+            <a:r>
+              <a:rPr lang="en-US" altLang="ja-JP" dirty="0" smtClean="0">
+                <a:solidFill>
+                  <a:schemeClr val="tx1"/>
+                </a:solidFill>
+              </a:rPr>
+              <a:t> ORDER By” at Table validation is applied.</a:t>
+            </a:r>
+          </a:p>
+          <a:p>
+            <a:pPr marL="285750" indent="-285750">
+              <a:buFont typeface="Arial" panose="020B0604020202020204" pitchFamily="34" charset="0"/>
+              <a:buChar char="•"/>
+            </a:pPr>
+            <a:r>
+              <a:rPr lang="en-US" altLang="ja-JP" dirty="0" smtClean="0">
+                <a:solidFill>
+                  <a:schemeClr val="tx1"/>
+                </a:solidFill>
+              </a:rPr>
+              <a:t>In case of the other, Value of Matrix Row key field in ascending order.</a:t>
+            </a:r>
+            <a:endParaRPr lang="ja-JP" altLang="en-US" dirty="0">
+              <a:solidFill>
+                <a:schemeClr val="tx1"/>
+              </a:solidFill>
+            </a:endParaRPr>
+          </a:p>
+        </p:txBody>
+      </p:sp>
+    </p:spTree>
+    <p:extLst>
+      <p:ext uri="{BB962C8B-B14F-4D97-AF65-F5344CB8AC3E}">
+        <p14:creationId xmlns:p14="http://schemas.microsoft.com/office/powerpoint/2010/main" val="3982361653"/>
+      </p:ext>
+    </p:extLst>
+  </p:cSld>
+  <p:clrMapOvr>
+    <a:masterClrMapping/>
+  </p:clrMapOvr>
+</p:sld>
+</file>
+
+<file path=ppt/slides/slide13.xml><?xml version="1.0" encoding="utf-8"?>
 <p:sld xmlns:a="http://schemas.openxmlformats.org/drawingml/2006/main" xmlns:r="http://schemas.openxmlformats.org/officeDocument/2006/relationships" xmlns:p="http://schemas.openxmlformats.org/presentationml/2006/main">
   <p:cSld>
     <p:spTree>
@@ -11404,7 +12182,7 @@
 </p:sld>
 </file>
 
-<file path=ppt/slides/slide13.xml><?xml version="1.0" encoding="utf-8"?>
+<file path=ppt/slides/slide14.xml><?xml version="1.0" encoding="utf-8"?>
 <p:sld xmlns:a="http://schemas.openxmlformats.org/drawingml/2006/main" xmlns:r="http://schemas.openxmlformats.org/officeDocument/2006/relationships" xmlns:p="http://schemas.openxmlformats.org/presentationml/2006/main">
   <p:cSld>
     <p:spTree>
@@ -14382,7 +15160,7 @@
 </p:sld>
 </file>
 
-<file path=ppt/slides/slide14.xml><?xml version="1.0" encoding="utf-8"?>
+<file path=ppt/slides/slide15.xml><?xml version="1.0" encoding="utf-8"?>
 <p:sld xmlns:a="http://schemas.openxmlformats.org/drawingml/2006/main" xmlns:r="http://schemas.openxmlformats.org/officeDocument/2006/relationships" xmlns:p="http://schemas.openxmlformats.org/presentationml/2006/main">
   <p:cSld>
     <p:spTree>
@@ -14518,14 +15296,6 @@
               </a:rPr>
               <a:t>Secret Configurations</a:t>
             </a:r>
-            <a:endParaRPr lang="en-US" altLang="ja-JP" sz="1600" b="1" dirty="0" smtClean="0">
-              <a:solidFill>
-                <a:schemeClr val="tx1"/>
-              </a:solidFill>
-              <a:latin typeface="メイリオ" panose="020B0604030504040204" pitchFamily="50" charset="-128"/>
-              <a:ea typeface="メイリオ" panose="020B0604030504040204" pitchFamily="50" charset="-128"/>
-              <a:cs typeface="メイリオ" panose="020B0604030504040204" pitchFamily="50" charset="-128"/>
-            </a:endParaRPr>
           </a:p>
         </p:txBody>
       </p:sp>
@@ -14666,15 +15436,7 @@
                   <a:schemeClr val="tx1"/>
                 </a:solidFill>
               </a:rPr>
-              <a:t>If there is contain “test” word at description</a:t>
-            </a:r>
-            <a:r>
-              <a:rPr lang="en-US" altLang="ja-JP" sz="1400" dirty="0" smtClean="0">
-                <a:solidFill>
-                  <a:schemeClr val="tx1"/>
-                </a:solidFill>
-              </a:rPr>
-              <a:t> field in matrix window tab, All field in Matrix window is Edit status.</a:t>
+              <a:t>If there is contain “test” word at description field in matrix window tab, All field in Matrix window is Edit status.</a:t>
             </a:r>
           </a:p>
           <a:p>
@@ -14707,7 +15469,7 @@
 </p:sld>
 </file>
 
-<file path=ppt/slides/slide15.xml><?xml version="1.0" encoding="utf-8"?>
+<file path=ppt/slides/slide16.xml><?xml version="1.0" encoding="utf-8"?>
 <p:sld xmlns:a="http://schemas.openxmlformats.org/drawingml/2006/main" xmlns:r="http://schemas.openxmlformats.org/officeDocument/2006/relationships" xmlns:p="http://schemas.openxmlformats.org/presentationml/2006/main">
   <p:cSld>
     <p:spTree>
@@ -18095,7 +18857,7 @@
 </p:sld>
 </file>
 
-<file path=ppt/slides/slide16.xml><?xml version="1.0" encoding="utf-8"?>
+<file path=ppt/slides/slide17.xml><?xml version="1.0" encoding="utf-8"?>
 <p:sld xmlns:a="http://schemas.openxmlformats.org/drawingml/2006/main" xmlns:r="http://schemas.openxmlformats.org/officeDocument/2006/relationships" xmlns:p="http://schemas.openxmlformats.org/presentationml/2006/main">
   <p:cSld>
     <p:spTree>
@@ -22815,7 +23577,7 @@
 </p:sld>
 </file>
 
-<file path=ppt/slides/slide17.xml><?xml version="1.0" encoding="utf-8"?>
+<file path=ppt/slides/slide18.xml><?xml version="1.0" encoding="utf-8"?>
 <p:sld xmlns:a="http://schemas.openxmlformats.org/drawingml/2006/main" xmlns:r="http://schemas.openxmlformats.org/officeDocument/2006/relationships" xmlns:p="http://schemas.openxmlformats.org/presentationml/2006/main">
   <p:cSld>
     <p:spTree>
@@ -23717,7 +24479,7 @@
 </p:sld>
 </file>
 
-<file path=ppt/slides/slide18.xml><?xml version="1.0" encoding="utf-8"?>
+<file path=ppt/slides/slide19.xml><?xml version="1.0" encoding="utf-8"?>
 <p:sld xmlns:a="http://schemas.openxmlformats.org/drawingml/2006/main" xmlns:r="http://schemas.openxmlformats.org/officeDocument/2006/relationships" xmlns:p="http://schemas.openxmlformats.org/presentationml/2006/main">
   <p:cSld>
     <p:spTree>
@@ -27170,688 +27932,6 @@
 </p:sld>
 </file>
 
-<file path=ppt/slides/slide19.xml><?xml version="1.0" encoding="utf-8"?>
-<p:sld xmlns:a="http://schemas.openxmlformats.org/drawingml/2006/main" xmlns:r="http://schemas.openxmlformats.org/officeDocument/2006/relationships" xmlns:p="http://schemas.openxmlformats.org/presentationml/2006/main">
-  <p:cSld>
-    <p:spTree>
-      <p:nvGrpSpPr>
-        <p:cNvPr id="1" name=""/>
-        <p:cNvGrpSpPr/>
-        <p:nvPr/>
-      </p:nvGrpSpPr>
-      <p:grpSpPr>
-        <a:xfrm>
-          <a:off x="0" y="0"/>
-          <a:ext cx="0" cy="0"/>
-          <a:chOff x="0" y="0"/>
-          <a:chExt cx="0" cy="0"/>
-        </a:xfrm>
-      </p:grpSpPr>
-      <p:sp>
-        <p:nvSpPr>
-          <p:cNvPr id="2" name="タイトル 1"/>
-          <p:cNvSpPr>
-            <a:spLocks noGrp="1"/>
-          </p:cNvSpPr>
-          <p:nvPr>
-            <p:ph type="title"/>
-          </p:nvPr>
-        </p:nvSpPr>
-        <p:spPr/>
-        <p:txBody>
-          <a:bodyPr/>
-          <a:lstStyle/>
-          <a:p>
-            <a:r>
-              <a:rPr lang="en-US" altLang="ja-JP" dirty="0"/>
-              <a:t>【</a:t>
-            </a:r>
-            <a:r>
-              <a:rPr lang="ja-JP" altLang="en-US" dirty="0"/>
-              <a:t>概要設計</a:t>
-            </a:r>
-            <a:r>
-              <a:rPr lang="en-US" altLang="ja-JP" dirty="0"/>
-              <a:t>】</a:t>
-            </a:r>
-            <a:r>
-              <a:rPr lang="ja-JP" altLang="en-US" dirty="0"/>
-              <a:t>マトリクスウィンドウの設定画面</a:t>
-            </a:r>
-            <a:endParaRPr kumimoji="1" lang="ja-JP" altLang="en-US" dirty="0"/>
-          </a:p>
-        </p:txBody>
-      </p:sp>
-      <p:sp>
-        <p:nvSpPr>
-          <p:cNvPr id="7" name="コンテンツ プレースホルダー 2"/>
-          <p:cNvSpPr txBox="1">
-            <a:spLocks/>
-          </p:cNvSpPr>
-          <p:nvPr/>
-        </p:nvSpPr>
-        <p:spPr>
-          <a:xfrm>
-            <a:off x="256376" y="1052736"/>
-            <a:ext cx="8635144" cy="1747712"/>
-          </a:xfrm>
-          <a:prstGeom prst="rect">
-            <a:avLst/>
-          </a:prstGeom>
-          <a:noFill/>
-          <a:ln>
-            <a:noFill/>
-          </a:ln>
-        </p:spPr>
-        <p:style>
-          <a:lnRef idx="2">
-            <a:schemeClr val="accent1">
-              <a:shade val="50000"/>
-            </a:schemeClr>
-          </a:lnRef>
-          <a:fillRef idx="1">
-            <a:schemeClr val="accent1"/>
-          </a:fillRef>
-          <a:effectRef idx="0">
-            <a:schemeClr val="accent1"/>
-          </a:effectRef>
-          <a:fontRef idx="minor">
-            <a:schemeClr val="lt1"/>
-          </a:fontRef>
-        </p:style>
-        <p:txBody>
-          <a:bodyPr rtlCol="0" anchor="t"/>
-          <a:lstStyle>
-            <a:defPPr>
-              <a:defRPr lang="ja-JP"/>
-            </a:defPPr>
-            <a:lvl1pPr marL="0" indent="0" algn="just" eaLnBrk="1" hangingPunct="1">
-              <a:lnSpc>
-                <a:spcPct val="120000"/>
-              </a:lnSpc>
-              <a:spcBef>
-                <a:spcPts val="1200"/>
-              </a:spcBef>
-              <a:buNone/>
-              <a:defRPr sz="1800" kern="0">
-                <a:latin typeface="メイリオ" panose="020B0604030504040204" pitchFamily="50" charset="-128"/>
-                <a:ea typeface="メイリオ" panose="020B0604030504040204" pitchFamily="50" charset="-128"/>
-                <a:cs typeface="メイリオ" panose="020B0604030504040204" pitchFamily="50" charset="-128"/>
-              </a:defRPr>
-            </a:lvl1pPr>
-            <a:lvl2pPr>
-              <a:defRPr>
-                <a:solidFill>
-                  <a:schemeClr val="lt1"/>
-                </a:solidFill>
-                <a:latin typeface="+mn-lt"/>
-                <a:ea typeface="+mn-ea"/>
-              </a:defRPr>
-            </a:lvl2pPr>
-            <a:lvl3pPr>
-              <a:defRPr>
-                <a:solidFill>
-                  <a:schemeClr val="lt1"/>
-                </a:solidFill>
-                <a:latin typeface="+mn-lt"/>
-                <a:ea typeface="+mn-ea"/>
-              </a:defRPr>
-            </a:lvl3pPr>
-            <a:lvl4pPr>
-              <a:defRPr>
-                <a:solidFill>
-                  <a:schemeClr val="lt1"/>
-                </a:solidFill>
-                <a:latin typeface="+mn-lt"/>
-                <a:ea typeface="+mn-ea"/>
-              </a:defRPr>
-            </a:lvl4pPr>
-            <a:lvl5pPr>
-              <a:defRPr>
-                <a:solidFill>
-                  <a:schemeClr val="lt1"/>
-                </a:solidFill>
-                <a:latin typeface="+mn-lt"/>
-                <a:ea typeface="+mn-ea"/>
-              </a:defRPr>
-            </a:lvl5pPr>
-            <a:lvl6pPr>
-              <a:defRPr>
-                <a:solidFill>
-                  <a:schemeClr val="lt1"/>
-                </a:solidFill>
-                <a:latin typeface="+mn-lt"/>
-                <a:ea typeface="+mn-ea"/>
-              </a:defRPr>
-            </a:lvl6pPr>
-            <a:lvl7pPr>
-              <a:defRPr>
-                <a:solidFill>
-                  <a:schemeClr val="lt1"/>
-                </a:solidFill>
-                <a:latin typeface="+mn-lt"/>
-                <a:ea typeface="+mn-ea"/>
-              </a:defRPr>
-            </a:lvl7pPr>
-            <a:lvl8pPr>
-              <a:defRPr>
-                <a:solidFill>
-                  <a:schemeClr val="lt1"/>
-                </a:solidFill>
-                <a:latin typeface="+mn-lt"/>
-                <a:ea typeface="+mn-ea"/>
-              </a:defRPr>
-            </a:lvl8pPr>
-            <a:lvl9pPr>
-              <a:defRPr>
-                <a:solidFill>
-                  <a:schemeClr val="lt1"/>
-                </a:solidFill>
-                <a:latin typeface="+mn-lt"/>
-                <a:ea typeface="+mn-ea"/>
-              </a:defRPr>
-            </a:lvl9pPr>
-          </a:lstStyle>
-          <a:p>
-            <a:pPr marL="171450" indent="-171450">
-              <a:spcBef>
-                <a:spcPts val="600"/>
-              </a:spcBef>
-              <a:buFont typeface="Arial" panose="020B0604020202020204" pitchFamily="34" charset="0"/>
-              <a:buChar char="•"/>
-            </a:pPr>
-            <a:r>
-              <a:rPr lang="ja-JP" altLang="en-US" sz="1050" dirty="0" smtClean="0">
-                <a:solidFill>
-                  <a:schemeClr val="tx1"/>
-                </a:solidFill>
-              </a:rPr>
-              <a:t>兄弟タブとなる検索フィールドタブに含まれていないフィールドである事を確認する（検索フィールドとして使用されていない事を確認する）。</a:t>
-            </a:r>
-            <a:endParaRPr lang="en-US" altLang="ja-JP" sz="1050" dirty="0" smtClean="0">
-              <a:solidFill>
-                <a:schemeClr val="tx1"/>
-              </a:solidFill>
-            </a:endParaRPr>
-          </a:p>
-          <a:p>
-            <a:pPr marL="171450" indent="-171450">
-              <a:spcBef>
-                <a:spcPts val="600"/>
-              </a:spcBef>
-              <a:buFont typeface="Arial" panose="020B0604020202020204" pitchFamily="34" charset="0"/>
-              <a:buChar char="•"/>
-            </a:pPr>
-            <a:r>
-              <a:rPr lang="ja-JP" altLang="en-US" sz="1050" dirty="0">
-                <a:solidFill>
-                  <a:schemeClr val="tx1"/>
-                </a:solidFill>
-              </a:rPr>
-              <a:t>フィールドが列キーと行キーになっていない事を確認する</a:t>
-            </a:r>
-            <a:r>
-              <a:rPr lang="ja-JP" altLang="en-US" sz="1050" dirty="0" smtClean="0">
-                <a:solidFill>
-                  <a:schemeClr val="tx1"/>
-                </a:solidFill>
-              </a:rPr>
-              <a:t>。</a:t>
-            </a:r>
-            <a:endParaRPr lang="en-US" altLang="ja-JP" sz="1050" dirty="0">
-              <a:solidFill>
-                <a:schemeClr val="tx1"/>
-              </a:solidFill>
-            </a:endParaRPr>
-          </a:p>
-        </p:txBody>
-      </p:sp>
-      <p:sp>
-        <p:nvSpPr>
-          <p:cNvPr id="8" name="正方形/長方形 7"/>
-          <p:cNvSpPr/>
-          <p:nvPr/>
-        </p:nvSpPr>
-        <p:spPr>
-          <a:xfrm>
-            <a:off x="252480" y="548728"/>
-            <a:ext cx="8640000" cy="432000"/>
-          </a:xfrm>
-          <a:prstGeom prst="rect">
-            <a:avLst/>
-          </a:prstGeom>
-          <a:solidFill>
-            <a:schemeClr val="accent1">
-              <a:lumMod val="20000"/>
-              <a:lumOff val="80000"/>
-            </a:schemeClr>
-          </a:solidFill>
-          <a:ln>
-            <a:solidFill>
-              <a:schemeClr val="accent1">
-                <a:lumMod val="60000"/>
-                <a:lumOff val="40000"/>
-              </a:schemeClr>
-            </a:solidFill>
-          </a:ln>
-        </p:spPr>
-        <p:style>
-          <a:lnRef idx="2">
-            <a:schemeClr val="accent1">
-              <a:shade val="50000"/>
-            </a:schemeClr>
-          </a:lnRef>
-          <a:fillRef idx="1">
-            <a:schemeClr val="accent1"/>
-          </a:fillRef>
-          <a:effectRef idx="0">
-            <a:schemeClr val="accent1"/>
-          </a:effectRef>
-          <a:fontRef idx="minor">
-            <a:schemeClr val="lt1"/>
-          </a:fontRef>
-        </p:style>
-        <p:txBody>
-          <a:bodyPr rIns="0" rtlCol="0" anchor="b"/>
-          <a:lstStyle/>
-          <a:p>
-            <a:pPr algn="l"/>
-            <a:r>
-              <a:rPr lang="en-US" altLang="ja-JP" sz="1600" b="1" dirty="0" err="1" smtClean="0">
-                <a:solidFill>
-                  <a:schemeClr val="tx1"/>
-                </a:solidFill>
-                <a:latin typeface="メイリオ" panose="020B0604030504040204" pitchFamily="50" charset="-128"/>
-                <a:ea typeface="メイリオ" panose="020B0604030504040204" pitchFamily="50" charset="-128"/>
-                <a:cs typeface="メイリオ" panose="020B0604030504040204" pitchFamily="50" charset="-128"/>
-              </a:rPr>
-              <a:t>MMatrixField</a:t>
-            </a:r>
-            <a:r>
-              <a:rPr lang="ja-JP" altLang="en-US" sz="1600" b="1" dirty="0" smtClean="0">
-                <a:solidFill>
-                  <a:schemeClr val="tx1"/>
-                </a:solidFill>
-                <a:latin typeface="メイリオ" panose="020B0604030504040204" pitchFamily="50" charset="-128"/>
-                <a:ea typeface="メイリオ" panose="020B0604030504040204" pitchFamily="50" charset="-128"/>
-                <a:cs typeface="メイリオ" panose="020B0604030504040204" pitchFamily="50" charset="-128"/>
-              </a:rPr>
-              <a:t>クラスの</a:t>
-            </a:r>
-            <a:r>
-              <a:rPr lang="en-US" altLang="ja-JP" sz="1600" b="1" dirty="0" err="1" smtClean="0">
-                <a:solidFill>
-                  <a:schemeClr val="tx1"/>
-                </a:solidFill>
-                <a:latin typeface="メイリオ" panose="020B0604030504040204" pitchFamily="50" charset="-128"/>
-                <a:ea typeface="メイリオ" panose="020B0604030504040204" pitchFamily="50" charset="-128"/>
-                <a:cs typeface="メイリオ" panose="020B0604030504040204" pitchFamily="50" charset="-128"/>
-              </a:rPr>
-              <a:t>beforeSave</a:t>
-            </a:r>
-            <a:r>
-              <a:rPr lang="en-US" altLang="ja-JP" sz="1600" b="1" dirty="0" smtClean="0">
-                <a:solidFill>
-                  <a:schemeClr val="tx1"/>
-                </a:solidFill>
-                <a:latin typeface="メイリオ" panose="020B0604030504040204" pitchFamily="50" charset="-128"/>
-                <a:ea typeface="メイリオ" panose="020B0604030504040204" pitchFamily="50" charset="-128"/>
-                <a:cs typeface="メイリオ" panose="020B0604030504040204" pitchFamily="50" charset="-128"/>
-              </a:rPr>
-              <a:t>()</a:t>
-            </a:r>
-            <a:r>
-              <a:rPr lang="ja-JP" altLang="en-US" sz="1600" b="1" dirty="0" smtClean="0">
-                <a:solidFill>
-                  <a:schemeClr val="tx1"/>
-                </a:solidFill>
-                <a:latin typeface="メイリオ" panose="020B0604030504040204" pitchFamily="50" charset="-128"/>
-                <a:ea typeface="メイリオ" panose="020B0604030504040204" pitchFamily="50" charset="-128"/>
-                <a:cs typeface="メイリオ" panose="020B0604030504040204" pitchFamily="50" charset="-128"/>
-              </a:rPr>
-              <a:t>メソッド</a:t>
-            </a:r>
-            <a:endParaRPr lang="en-US" altLang="ja-JP" sz="1600" b="1" dirty="0" smtClean="0">
-              <a:solidFill>
-                <a:schemeClr val="tx1"/>
-              </a:solidFill>
-              <a:latin typeface="メイリオ" panose="020B0604030504040204" pitchFamily="50" charset="-128"/>
-              <a:ea typeface="メイリオ" panose="020B0604030504040204" pitchFamily="50" charset="-128"/>
-              <a:cs typeface="メイリオ" panose="020B0604030504040204" pitchFamily="50" charset="-128"/>
-            </a:endParaRPr>
-          </a:p>
-        </p:txBody>
-      </p:sp>
-      <p:sp>
-        <p:nvSpPr>
-          <p:cNvPr id="9" name="正方形/長方形 8"/>
-          <p:cNvSpPr/>
-          <p:nvPr/>
-        </p:nvSpPr>
-        <p:spPr>
-          <a:xfrm>
-            <a:off x="252480" y="1988888"/>
-            <a:ext cx="8640000" cy="432000"/>
-          </a:xfrm>
-          <a:prstGeom prst="rect">
-            <a:avLst/>
-          </a:prstGeom>
-          <a:solidFill>
-            <a:schemeClr val="accent1">
-              <a:lumMod val="20000"/>
-              <a:lumOff val="80000"/>
-            </a:schemeClr>
-          </a:solidFill>
-          <a:ln>
-            <a:solidFill>
-              <a:schemeClr val="accent1">
-                <a:lumMod val="60000"/>
-                <a:lumOff val="40000"/>
-              </a:schemeClr>
-            </a:solidFill>
-          </a:ln>
-        </p:spPr>
-        <p:style>
-          <a:lnRef idx="2">
-            <a:schemeClr val="accent1">
-              <a:shade val="50000"/>
-            </a:schemeClr>
-          </a:lnRef>
-          <a:fillRef idx="1">
-            <a:schemeClr val="accent1"/>
-          </a:fillRef>
-          <a:effectRef idx="0">
-            <a:schemeClr val="accent1"/>
-          </a:effectRef>
-          <a:fontRef idx="minor">
-            <a:schemeClr val="lt1"/>
-          </a:fontRef>
-        </p:style>
-        <p:txBody>
-          <a:bodyPr rIns="0" rtlCol="0" anchor="b"/>
-          <a:lstStyle/>
-          <a:p>
-            <a:pPr algn="l"/>
-            <a:r>
-              <a:rPr lang="en-US" altLang="ja-JP" sz="1600" b="1" dirty="0" err="1" smtClean="0">
-                <a:solidFill>
-                  <a:schemeClr val="tx1"/>
-                </a:solidFill>
-                <a:latin typeface="メイリオ" panose="020B0604030504040204" pitchFamily="50" charset="-128"/>
-                <a:ea typeface="メイリオ" panose="020B0604030504040204" pitchFamily="50" charset="-128"/>
-                <a:cs typeface="メイリオ" panose="020B0604030504040204" pitchFamily="50" charset="-128"/>
-              </a:rPr>
-              <a:t>MMatrixField</a:t>
-            </a:r>
-            <a:r>
-              <a:rPr lang="ja-JP" altLang="en-US" sz="1600" b="1" dirty="0" smtClean="0">
-                <a:solidFill>
-                  <a:schemeClr val="tx1"/>
-                </a:solidFill>
-                <a:latin typeface="メイリオ" panose="020B0604030504040204" pitchFamily="50" charset="-128"/>
-                <a:ea typeface="メイリオ" panose="020B0604030504040204" pitchFamily="50" charset="-128"/>
-                <a:cs typeface="メイリオ" panose="020B0604030504040204" pitchFamily="50" charset="-128"/>
-              </a:rPr>
-              <a:t>クラスのユーティリティメソッド</a:t>
-            </a:r>
-            <a:endParaRPr lang="en-US" altLang="ja-JP" sz="1600" b="1" dirty="0" smtClean="0">
-              <a:solidFill>
-                <a:schemeClr val="tx1"/>
-              </a:solidFill>
-              <a:latin typeface="メイリオ" panose="020B0604030504040204" pitchFamily="50" charset="-128"/>
-              <a:ea typeface="メイリオ" panose="020B0604030504040204" pitchFamily="50" charset="-128"/>
-              <a:cs typeface="メイリオ" panose="020B0604030504040204" pitchFamily="50" charset="-128"/>
-            </a:endParaRPr>
-          </a:p>
-        </p:txBody>
-      </p:sp>
-      <p:sp>
-        <p:nvSpPr>
-          <p:cNvPr id="10" name="コンテンツ プレースホルダー 2"/>
-          <p:cNvSpPr txBox="1">
-            <a:spLocks/>
-          </p:cNvSpPr>
-          <p:nvPr/>
-        </p:nvSpPr>
-        <p:spPr>
-          <a:xfrm>
-            <a:off x="251520" y="2492896"/>
-            <a:ext cx="8635144" cy="792088"/>
-          </a:xfrm>
-          <a:prstGeom prst="rect">
-            <a:avLst/>
-          </a:prstGeom>
-          <a:noFill/>
-          <a:ln>
-            <a:noFill/>
-          </a:ln>
-        </p:spPr>
-        <p:style>
-          <a:lnRef idx="2">
-            <a:schemeClr val="accent1">
-              <a:shade val="50000"/>
-            </a:schemeClr>
-          </a:lnRef>
-          <a:fillRef idx="1">
-            <a:schemeClr val="accent1"/>
-          </a:fillRef>
-          <a:effectRef idx="0">
-            <a:schemeClr val="accent1"/>
-          </a:effectRef>
-          <a:fontRef idx="minor">
-            <a:schemeClr val="lt1"/>
-          </a:fontRef>
-        </p:style>
-        <p:txBody>
-          <a:bodyPr rtlCol="0" anchor="t"/>
-          <a:lstStyle>
-            <a:defPPr>
-              <a:defRPr lang="ja-JP"/>
-            </a:defPPr>
-            <a:lvl1pPr marL="0" indent="0" algn="just" eaLnBrk="1" hangingPunct="1">
-              <a:lnSpc>
-                <a:spcPct val="120000"/>
-              </a:lnSpc>
-              <a:spcBef>
-                <a:spcPts val="1200"/>
-              </a:spcBef>
-              <a:buNone/>
-              <a:defRPr sz="1800" kern="0">
-                <a:latin typeface="メイリオ" panose="020B0604030504040204" pitchFamily="50" charset="-128"/>
-                <a:ea typeface="メイリオ" panose="020B0604030504040204" pitchFamily="50" charset="-128"/>
-                <a:cs typeface="メイリオ" panose="020B0604030504040204" pitchFamily="50" charset="-128"/>
-              </a:defRPr>
-            </a:lvl1pPr>
-            <a:lvl2pPr>
-              <a:defRPr>
-                <a:solidFill>
-                  <a:schemeClr val="lt1"/>
-                </a:solidFill>
-                <a:latin typeface="+mn-lt"/>
-                <a:ea typeface="+mn-ea"/>
-              </a:defRPr>
-            </a:lvl2pPr>
-            <a:lvl3pPr>
-              <a:defRPr>
-                <a:solidFill>
-                  <a:schemeClr val="lt1"/>
-                </a:solidFill>
-                <a:latin typeface="+mn-lt"/>
-                <a:ea typeface="+mn-ea"/>
-              </a:defRPr>
-            </a:lvl3pPr>
-            <a:lvl4pPr>
-              <a:defRPr>
-                <a:solidFill>
-                  <a:schemeClr val="lt1"/>
-                </a:solidFill>
-                <a:latin typeface="+mn-lt"/>
-                <a:ea typeface="+mn-ea"/>
-              </a:defRPr>
-            </a:lvl4pPr>
-            <a:lvl5pPr>
-              <a:defRPr>
-                <a:solidFill>
-                  <a:schemeClr val="lt1"/>
-                </a:solidFill>
-                <a:latin typeface="+mn-lt"/>
-                <a:ea typeface="+mn-ea"/>
-              </a:defRPr>
-            </a:lvl5pPr>
-            <a:lvl6pPr>
-              <a:defRPr>
-                <a:solidFill>
-                  <a:schemeClr val="lt1"/>
-                </a:solidFill>
-                <a:latin typeface="+mn-lt"/>
-                <a:ea typeface="+mn-ea"/>
-              </a:defRPr>
-            </a:lvl6pPr>
-            <a:lvl7pPr>
-              <a:defRPr>
-                <a:solidFill>
-                  <a:schemeClr val="lt1"/>
-                </a:solidFill>
-                <a:latin typeface="+mn-lt"/>
-                <a:ea typeface="+mn-ea"/>
-              </a:defRPr>
-            </a:lvl7pPr>
-            <a:lvl8pPr>
-              <a:defRPr>
-                <a:solidFill>
-                  <a:schemeClr val="lt1"/>
-                </a:solidFill>
-                <a:latin typeface="+mn-lt"/>
-                <a:ea typeface="+mn-ea"/>
-              </a:defRPr>
-            </a:lvl8pPr>
-            <a:lvl9pPr>
-              <a:defRPr>
-                <a:solidFill>
-                  <a:schemeClr val="lt1"/>
-                </a:solidFill>
-                <a:latin typeface="+mn-lt"/>
-                <a:ea typeface="+mn-ea"/>
-              </a:defRPr>
-            </a:lvl9pPr>
-          </a:lstStyle>
-          <a:p>
-            <a:pPr marL="171450" indent="-171450">
-              <a:spcBef>
-                <a:spcPts val="600"/>
-              </a:spcBef>
-              <a:buFont typeface="Arial" panose="020B0604020202020204" pitchFamily="34" charset="0"/>
-              <a:buChar char="•"/>
-            </a:pPr>
-            <a:r>
-              <a:rPr lang="ja-JP" altLang="en-US" sz="1050" dirty="0">
-                <a:solidFill>
-                  <a:schemeClr val="tx1"/>
-                </a:solidFill>
-              </a:rPr>
-              <a:t>親</a:t>
-            </a:r>
-            <a:r>
-              <a:rPr lang="ja-JP" altLang="en-US" sz="1050" dirty="0" smtClean="0">
-                <a:solidFill>
-                  <a:schemeClr val="tx1"/>
-                </a:solidFill>
-              </a:rPr>
-              <a:t>タブとなる</a:t>
-            </a:r>
-            <a:r>
-              <a:rPr lang="en-US" altLang="ja-JP" sz="1050" dirty="0" err="1" smtClean="0">
-                <a:solidFill>
-                  <a:schemeClr val="tx1"/>
-                </a:solidFill>
-              </a:rPr>
-              <a:t>JP_MatrixWindow</a:t>
-            </a:r>
-            <a:r>
-              <a:rPr lang="ja-JP" altLang="en-US" sz="1050" dirty="0" smtClean="0">
-                <a:solidFill>
-                  <a:schemeClr val="tx1"/>
-                </a:solidFill>
-              </a:rPr>
-              <a:t>テーブルのインスタンス</a:t>
-            </a:r>
-            <a:r>
-              <a:rPr lang="en-US" altLang="ja-JP" sz="1050" dirty="0" smtClean="0">
-                <a:solidFill>
-                  <a:schemeClr val="tx1"/>
-                </a:solidFill>
-              </a:rPr>
-              <a:t>(</a:t>
-            </a:r>
-            <a:r>
-              <a:rPr lang="en-US" altLang="ja-JP" sz="1050" dirty="0" err="1" smtClean="0">
-                <a:solidFill>
-                  <a:schemeClr val="tx1"/>
-                </a:solidFill>
-              </a:rPr>
-              <a:t>MMatrixWindow</a:t>
-            </a:r>
-            <a:r>
-              <a:rPr lang="ja-JP" altLang="en-US" sz="1050" dirty="0" smtClean="0">
-                <a:solidFill>
-                  <a:schemeClr val="tx1"/>
-                </a:solidFill>
-              </a:rPr>
-              <a:t>クラスのインスタンス</a:t>
-            </a:r>
-            <a:r>
-              <a:rPr lang="en-US" altLang="ja-JP" sz="1050" dirty="0" smtClean="0">
-                <a:solidFill>
-                  <a:schemeClr val="tx1"/>
-                </a:solidFill>
-              </a:rPr>
-              <a:t>)</a:t>
-            </a:r>
-            <a:r>
-              <a:rPr lang="ja-JP" altLang="en-US" sz="1050" dirty="0" smtClean="0">
-                <a:solidFill>
-                  <a:schemeClr val="tx1"/>
-                </a:solidFill>
-              </a:rPr>
-              <a:t>が取得できる</a:t>
-            </a:r>
-            <a:r>
-              <a:rPr lang="en-US" altLang="ja-JP" sz="1050" dirty="0" smtClean="0">
-                <a:solidFill>
-                  <a:schemeClr val="tx1"/>
-                </a:solidFill>
-              </a:rPr>
-              <a:t>Getter</a:t>
-            </a:r>
-            <a:r>
-              <a:rPr lang="ja-JP" altLang="en-US" sz="1050" dirty="0" smtClean="0">
-                <a:solidFill>
-                  <a:schemeClr val="tx1"/>
-                </a:solidFill>
-              </a:rPr>
-              <a:t>メソッド。</a:t>
-            </a:r>
-            <a:endParaRPr lang="en-US" altLang="ja-JP" sz="1050" dirty="0" smtClean="0">
-              <a:solidFill>
-                <a:schemeClr val="tx1"/>
-              </a:solidFill>
-            </a:endParaRPr>
-          </a:p>
-        </p:txBody>
-      </p:sp>
-    </p:spTree>
-    <p:extLst>
-      <p:ext uri="{BB962C8B-B14F-4D97-AF65-F5344CB8AC3E}">
-        <p14:creationId xmlns:p14="http://schemas.microsoft.com/office/powerpoint/2010/main" val="724132796"/>
-      </p:ext>
-    </p:extLst>
-  </p:cSld>
-  <p:clrMapOvr>
-    <a:masterClrMapping/>
-  </p:clrMapOvr>
-</p:sld>
-</file>
-
 <file path=ppt/slides/slide2.xml><?xml version="1.0" encoding="utf-8"?>
 <p:sld xmlns:a="http://schemas.openxmlformats.org/drawingml/2006/main" xmlns:r="http://schemas.openxmlformats.org/officeDocument/2006/relationships" xmlns:p="http://schemas.openxmlformats.org/presentationml/2006/main">
   <p:cSld>
@@ -29016,6 +29096,688 @@
 </file>
 
 <file path=ppt/slides/slide20.xml><?xml version="1.0" encoding="utf-8"?>
+<p:sld xmlns:a="http://schemas.openxmlformats.org/drawingml/2006/main" xmlns:r="http://schemas.openxmlformats.org/officeDocument/2006/relationships" xmlns:p="http://schemas.openxmlformats.org/presentationml/2006/main">
+  <p:cSld>
+    <p:spTree>
+      <p:nvGrpSpPr>
+        <p:cNvPr id="1" name=""/>
+        <p:cNvGrpSpPr/>
+        <p:nvPr/>
+      </p:nvGrpSpPr>
+      <p:grpSpPr>
+        <a:xfrm>
+          <a:off x="0" y="0"/>
+          <a:ext cx="0" cy="0"/>
+          <a:chOff x="0" y="0"/>
+          <a:chExt cx="0" cy="0"/>
+        </a:xfrm>
+      </p:grpSpPr>
+      <p:sp>
+        <p:nvSpPr>
+          <p:cNvPr id="2" name="タイトル 1"/>
+          <p:cNvSpPr>
+            <a:spLocks noGrp="1"/>
+          </p:cNvSpPr>
+          <p:nvPr>
+            <p:ph type="title"/>
+          </p:nvPr>
+        </p:nvSpPr>
+        <p:spPr/>
+        <p:txBody>
+          <a:bodyPr/>
+          <a:lstStyle/>
+          <a:p>
+            <a:r>
+              <a:rPr lang="en-US" altLang="ja-JP" dirty="0"/>
+              <a:t>【</a:t>
+            </a:r>
+            <a:r>
+              <a:rPr lang="ja-JP" altLang="en-US" dirty="0"/>
+              <a:t>概要設計</a:t>
+            </a:r>
+            <a:r>
+              <a:rPr lang="en-US" altLang="ja-JP" dirty="0"/>
+              <a:t>】</a:t>
+            </a:r>
+            <a:r>
+              <a:rPr lang="ja-JP" altLang="en-US" dirty="0"/>
+              <a:t>マトリクスウィンドウの設定画面</a:t>
+            </a:r>
+            <a:endParaRPr kumimoji="1" lang="ja-JP" altLang="en-US" dirty="0"/>
+          </a:p>
+        </p:txBody>
+      </p:sp>
+      <p:sp>
+        <p:nvSpPr>
+          <p:cNvPr id="7" name="コンテンツ プレースホルダー 2"/>
+          <p:cNvSpPr txBox="1">
+            <a:spLocks/>
+          </p:cNvSpPr>
+          <p:nvPr/>
+        </p:nvSpPr>
+        <p:spPr>
+          <a:xfrm>
+            <a:off x="256376" y="1052736"/>
+            <a:ext cx="8635144" cy="1747712"/>
+          </a:xfrm>
+          <a:prstGeom prst="rect">
+            <a:avLst/>
+          </a:prstGeom>
+          <a:noFill/>
+          <a:ln>
+            <a:noFill/>
+          </a:ln>
+        </p:spPr>
+        <p:style>
+          <a:lnRef idx="2">
+            <a:schemeClr val="accent1">
+              <a:shade val="50000"/>
+            </a:schemeClr>
+          </a:lnRef>
+          <a:fillRef idx="1">
+            <a:schemeClr val="accent1"/>
+          </a:fillRef>
+          <a:effectRef idx="0">
+            <a:schemeClr val="accent1"/>
+          </a:effectRef>
+          <a:fontRef idx="minor">
+            <a:schemeClr val="lt1"/>
+          </a:fontRef>
+        </p:style>
+        <p:txBody>
+          <a:bodyPr rtlCol="0" anchor="t"/>
+          <a:lstStyle>
+            <a:defPPr>
+              <a:defRPr lang="ja-JP"/>
+            </a:defPPr>
+            <a:lvl1pPr marL="0" indent="0" algn="just" eaLnBrk="1" hangingPunct="1">
+              <a:lnSpc>
+                <a:spcPct val="120000"/>
+              </a:lnSpc>
+              <a:spcBef>
+                <a:spcPts val="1200"/>
+              </a:spcBef>
+              <a:buNone/>
+              <a:defRPr sz="1800" kern="0">
+                <a:latin typeface="メイリオ" panose="020B0604030504040204" pitchFamily="50" charset="-128"/>
+                <a:ea typeface="メイリオ" panose="020B0604030504040204" pitchFamily="50" charset="-128"/>
+                <a:cs typeface="メイリオ" panose="020B0604030504040204" pitchFamily="50" charset="-128"/>
+              </a:defRPr>
+            </a:lvl1pPr>
+            <a:lvl2pPr>
+              <a:defRPr>
+                <a:solidFill>
+                  <a:schemeClr val="lt1"/>
+                </a:solidFill>
+                <a:latin typeface="+mn-lt"/>
+                <a:ea typeface="+mn-ea"/>
+              </a:defRPr>
+            </a:lvl2pPr>
+            <a:lvl3pPr>
+              <a:defRPr>
+                <a:solidFill>
+                  <a:schemeClr val="lt1"/>
+                </a:solidFill>
+                <a:latin typeface="+mn-lt"/>
+                <a:ea typeface="+mn-ea"/>
+              </a:defRPr>
+            </a:lvl3pPr>
+            <a:lvl4pPr>
+              <a:defRPr>
+                <a:solidFill>
+                  <a:schemeClr val="lt1"/>
+                </a:solidFill>
+                <a:latin typeface="+mn-lt"/>
+                <a:ea typeface="+mn-ea"/>
+              </a:defRPr>
+            </a:lvl4pPr>
+            <a:lvl5pPr>
+              <a:defRPr>
+                <a:solidFill>
+                  <a:schemeClr val="lt1"/>
+                </a:solidFill>
+                <a:latin typeface="+mn-lt"/>
+                <a:ea typeface="+mn-ea"/>
+              </a:defRPr>
+            </a:lvl5pPr>
+            <a:lvl6pPr>
+              <a:defRPr>
+                <a:solidFill>
+                  <a:schemeClr val="lt1"/>
+                </a:solidFill>
+                <a:latin typeface="+mn-lt"/>
+                <a:ea typeface="+mn-ea"/>
+              </a:defRPr>
+            </a:lvl6pPr>
+            <a:lvl7pPr>
+              <a:defRPr>
+                <a:solidFill>
+                  <a:schemeClr val="lt1"/>
+                </a:solidFill>
+                <a:latin typeface="+mn-lt"/>
+                <a:ea typeface="+mn-ea"/>
+              </a:defRPr>
+            </a:lvl7pPr>
+            <a:lvl8pPr>
+              <a:defRPr>
+                <a:solidFill>
+                  <a:schemeClr val="lt1"/>
+                </a:solidFill>
+                <a:latin typeface="+mn-lt"/>
+                <a:ea typeface="+mn-ea"/>
+              </a:defRPr>
+            </a:lvl8pPr>
+            <a:lvl9pPr>
+              <a:defRPr>
+                <a:solidFill>
+                  <a:schemeClr val="lt1"/>
+                </a:solidFill>
+                <a:latin typeface="+mn-lt"/>
+                <a:ea typeface="+mn-ea"/>
+              </a:defRPr>
+            </a:lvl9pPr>
+          </a:lstStyle>
+          <a:p>
+            <a:pPr marL="171450" indent="-171450">
+              <a:spcBef>
+                <a:spcPts val="600"/>
+              </a:spcBef>
+              <a:buFont typeface="Arial" panose="020B0604020202020204" pitchFamily="34" charset="0"/>
+              <a:buChar char="•"/>
+            </a:pPr>
+            <a:r>
+              <a:rPr lang="ja-JP" altLang="en-US" sz="1050" dirty="0" smtClean="0">
+                <a:solidFill>
+                  <a:schemeClr val="tx1"/>
+                </a:solidFill>
+              </a:rPr>
+              <a:t>兄弟タブとなる検索フィールドタブに含まれていないフィールドである事を確認する（検索フィールドとして使用されていない事を確認する）。</a:t>
+            </a:r>
+            <a:endParaRPr lang="en-US" altLang="ja-JP" sz="1050" dirty="0" smtClean="0">
+              <a:solidFill>
+                <a:schemeClr val="tx1"/>
+              </a:solidFill>
+            </a:endParaRPr>
+          </a:p>
+          <a:p>
+            <a:pPr marL="171450" indent="-171450">
+              <a:spcBef>
+                <a:spcPts val="600"/>
+              </a:spcBef>
+              <a:buFont typeface="Arial" panose="020B0604020202020204" pitchFamily="34" charset="0"/>
+              <a:buChar char="•"/>
+            </a:pPr>
+            <a:r>
+              <a:rPr lang="ja-JP" altLang="en-US" sz="1050" dirty="0">
+                <a:solidFill>
+                  <a:schemeClr val="tx1"/>
+                </a:solidFill>
+              </a:rPr>
+              <a:t>フィールドが列キーと行キーになっていない事を確認する</a:t>
+            </a:r>
+            <a:r>
+              <a:rPr lang="ja-JP" altLang="en-US" sz="1050" dirty="0" smtClean="0">
+                <a:solidFill>
+                  <a:schemeClr val="tx1"/>
+                </a:solidFill>
+              </a:rPr>
+              <a:t>。</a:t>
+            </a:r>
+            <a:endParaRPr lang="en-US" altLang="ja-JP" sz="1050" dirty="0">
+              <a:solidFill>
+                <a:schemeClr val="tx1"/>
+              </a:solidFill>
+            </a:endParaRPr>
+          </a:p>
+        </p:txBody>
+      </p:sp>
+      <p:sp>
+        <p:nvSpPr>
+          <p:cNvPr id="8" name="正方形/長方形 7"/>
+          <p:cNvSpPr/>
+          <p:nvPr/>
+        </p:nvSpPr>
+        <p:spPr>
+          <a:xfrm>
+            <a:off x="252480" y="548728"/>
+            <a:ext cx="8640000" cy="432000"/>
+          </a:xfrm>
+          <a:prstGeom prst="rect">
+            <a:avLst/>
+          </a:prstGeom>
+          <a:solidFill>
+            <a:schemeClr val="accent1">
+              <a:lumMod val="20000"/>
+              <a:lumOff val="80000"/>
+            </a:schemeClr>
+          </a:solidFill>
+          <a:ln>
+            <a:solidFill>
+              <a:schemeClr val="accent1">
+                <a:lumMod val="60000"/>
+                <a:lumOff val="40000"/>
+              </a:schemeClr>
+            </a:solidFill>
+          </a:ln>
+        </p:spPr>
+        <p:style>
+          <a:lnRef idx="2">
+            <a:schemeClr val="accent1">
+              <a:shade val="50000"/>
+            </a:schemeClr>
+          </a:lnRef>
+          <a:fillRef idx="1">
+            <a:schemeClr val="accent1"/>
+          </a:fillRef>
+          <a:effectRef idx="0">
+            <a:schemeClr val="accent1"/>
+          </a:effectRef>
+          <a:fontRef idx="minor">
+            <a:schemeClr val="lt1"/>
+          </a:fontRef>
+        </p:style>
+        <p:txBody>
+          <a:bodyPr rIns="0" rtlCol="0" anchor="b"/>
+          <a:lstStyle/>
+          <a:p>
+            <a:pPr algn="l"/>
+            <a:r>
+              <a:rPr lang="en-US" altLang="ja-JP" sz="1600" b="1" dirty="0" err="1" smtClean="0">
+                <a:solidFill>
+                  <a:schemeClr val="tx1"/>
+                </a:solidFill>
+                <a:latin typeface="メイリオ" panose="020B0604030504040204" pitchFamily="50" charset="-128"/>
+                <a:ea typeface="メイリオ" panose="020B0604030504040204" pitchFamily="50" charset="-128"/>
+                <a:cs typeface="メイリオ" panose="020B0604030504040204" pitchFamily="50" charset="-128"/>
+              </a:rPr>
+              <a:t>MMatrixField</a:t>
+            </a:r>
+            <a:r>
+              <a:rPr lang="ja-JP" altLang="en-US" sz="1600" b="1" dirty="0" smtClean="0">
+                <a:solidFill>
+                  <a:schemeClr val="tx1"/>
+                </a:solidFill>
+                <a:latin typeface="メイリオ" panose="020B0604030504040204" pitchFamily="50" charset="-128"/>
+                <a:ea typeface="メイリオ" panose="020B0604030504040204" pitchFamily="50" charset="-128"/>
+                <a:cs typeface="メイリオ" panose="020B0604030504040204" pitchFamily="50" charset="-128"/>
+              </a:rPr>
+              <a:t>クラスの</a:t>
+            </a:r>
+            <a:r>
+              <a:rPr lang="en-US" altLang="ja-JP" sz="1600" b="1" dirty="0" err="1" smtClean="0">
+                <a:solidFill>
+                  <a:schemeClr val="tx1"/>
+                </a:solidFill>
+                <a:latin typeface="メイリオ" panose="020B0604030504040204" pitchFamily="50" charset="-128"/>
+                <a:ea typeface="メイリオ" panose="020B0604030504040204" pitchFamily="50" charset="-128"/>
+                <a:cs typeface="メイリオ" panose="020B0604030504040204" pitchFamily="50" charset="-128"/>
+              </a:rPr>
+              <a:t>beforeSave</a:t>
+            </a:r>
+            <a:r>
+              <a:rPr lang="en-US" altLang="ja-JP" sz="1600" b="1" dirty="0" smtClean="0">
+                <a:solidFill>
+                  <a:schemeClr val="tx1"/>
+                </a:solidFill>
+                <a:latin typeface="メイリオ" panose="020B0604030504040204" pitchFamily="50" charset="-128"/>
+                <a:ea typeface="メイリオ" panose="020B0604030504040204" pitchFamily="50" charset="-128"/>
+                <a:cs typeface="メイリオ" panose="020B0604030504040204" pitchFamily="50" charset="-128"/>
+              </a:rPr>
+              <a:t>()</a:t>
+            </a:r>
+            <a:r>
+              <a:rPr lang="ja-JP" altLang="en-US" sz="1600" b="1" dirty="0" smtClean="0">
+                <a:solidFill>
+                  <a:schemeClr val="tx1"/>
+                </a:solidFill>
+                <a:latin typeface="メイリオ" panose="020B0604030504040204" pitchFamily="50" charset="-128"/>
+                <a:ea typeface="メイリオ" panose="020B0604030504040204" pitchFamily="50" charset="-128"/>
+                <a:cs typeface="メイリオ" panose="020B0604030504040204" pitchFamily="50" charset="-128"/>
+              </a:rPr>
+              <a:t>メソッド</a:t>
+            </a:r>
+            <a:endParaRPr lang="en-US" altLang="ja-JP" sz="1600" b="1" dirty="0" smtClean="0">
+              <a:solidFill>
+                <a:schemeClr val="tx1"/>
+              </a:solidFill>
+              <a:latin typeface="メイリオ" panose="020B0604030504040204" pitchFamily="50" charset="-128"/>
+              <a:ea typeface="メイリオ" panose="020B0604030504040204" pitchFamily="50" charset="-128"/>
+              <a:cs typeface="メイリオ" panose="020B0604030504040204" pitchFamily="50" charset="-128"/>
+            </a:endParaRPr>
+          </a:p>
+        </p:txBody>
+      </p:sp>
+      <p:sp>
+        <p:nvSpPr>
+          <p:cNvPr id="9" name="正方形/長方形 8"/>
+          <p:cNvSpPr/>
+          <p:nvPr/>
+        </p:nvSpPr>
+        <p:spPr>
+          <a:xfrm>
+            <a:off x="252480" y="1988888"/>
+            <a:ext cx="8640000" cy="432000"/>
+          </a:xfrm>
+          <a:prstGeom prst="rect">
+            <a:avLst/>
+          </a:prstGeom>
+          <a:solidFill>
+            <a:schemeClr val="accent1">
+              <a:lumMod val="20000"/>
+              <a:lumOff val="80000"/>
+            </a:schemeClr>
+          </a:solidFill>
+          <a:ln>
+            <a:solidFill>
+              <a:schemeClr val="accent1">
+                <a:lumMod val="60000"/>
+                <a:lumOff val="40000"/>
+              </a:schemeClr>
+            </a:solidFill>
+          </a:ln>
+        </p:spPr>
+        <p:style>
+          <a:lnRef idx="2">
+            <a:schemeClr val="accent1">
+              <a:shade val="50000"/>
+            </a:schemeClr>
+          </a:lnRef>
+          <a:fillRef idx="1">
+            <a:schemeClr val="accent1"/>
+          </a:fillRef>
+          <a:effectRef idx="0">
+            <a:schemeClr val="accent1"/>
+          </a:effectRef>
+          <a:fontRef idx="minor">
+            <a:schemeClr val="lt1"/>
+          </a:fontRef>
+        </p:style>
+        <p:txBody>
+          <a:bodyPr rIns="0" rtlCol="0" anchor="b"/>
+          <a:lstStyle/>
+          <a:p>
+            <a:pPr algn="l"/>
+            <a:r>
+              <a:rPr lang="en-US" altLang="ja-JP" sz="1600" b="1" dirty="0" err="1" smtClean="0">
+                <a:solidFill>
+                  <a:schemeClr val="tx1"/>
+                </a:solidFill>
+                <a:latin typeface="メイリオ" panose="020B0604030504040204" pitchFamily="50" charset="-128"/>
+                <a:ea typeface="メイリオ" panose="020B0604030504040204" pitchFamily="50" charset="-128"/>
+                <a:cs typeface="メイリオ" panose="020B0604030504040204" pitchFamily="50" charset="-128"/>
+              </a:rPr>
+              <a:t>MMatrixField</a:t>
+            </a:r>
+            <a:r>
+              <a:rPr lang="ja-JP" altLang="en-US" sz="1600" b="1" dirty="0" smtClean="0">
+                <a:solidFill>
+                  <a:schemeClr val="tx1"/>
+                </a:solidFill>
+                <a:latin typeface="メイリオ" panose="020B0604030504040204" pitchFamily="50" charset="-128"/>
+                <a:ea typeface="メイリオ" panose="020B0604030504040204" pitchFamily="50" charset="-128"/>
+                <a:cs typeface="メイリオ" panose="020B0604030504040204" pitchFamily="50" charset="-128"/>
+              </a:rPr>
+              <a:t>クラスのユーティリティメソッド</a:t>
+            </a:r>
+            <a:endParaRPr lang="en-US" altLang="ja-JP" sz="1600" b="1" dirty="0" smtClean="0">
+              <a:solidFill>
+                <a:schemeClr val="tx1"/>
+              </a:solidFill>
+              <a:latin typeface="メイリオ" panose="020B0604030504040204" pitchFamily="50" charset="-128"/>
+              <a:ea typeface="メイリオ" panose="020B0604030504040204" pitchFamily="50" charset="-128"/>
+              <a:cs typeface="メイリオ" panose="020B0604030504040204" pitchFamily="50" charset="-128"/>
+            </a:endParaRPr>
+          </a:p>
+        </p:txBody>
+      </p:sp>
+      <p:sp>
+        <p:nvSpPr>
+          <p:cNvPr id="10" name="コンテンツ プレースホルダー 2"/>
+          <p:cNvSpPr txBox="1">
+            <a:spLocks/>
+          </p:cNvSpPr>
+          <p:nvPr/>
+        </p:nvSpPr>
+        <p:spPr>
+          <a:xfrm>
+            <a:off x="251520" y="2492896"/>
+            <a:ext cx="8635144" cy="792088"/>
+          </a:xfrm>
+          <a:prstGeom prst="rect">
+            <a:avLst/>
+          </a:prstGeom>
+          <a:noFill/>
+          <a:ln>
+            <a:noFill/>
+          </a:ln>
+        </p:spPr>
+        <p:style>
+          <a:lnRef idx="2">
+            <a:schemeClr val="accent1">
+              <a:shade val="50000"/>
+            </a:schemeClr>
+          </a:lnRef>
+          <a:fillRef idx="1">
+            <a:schemeClr val="accent1"/>
+          </a:fillRef>
+          <a:effectRef idx="0">
+            <a:schemeClr val="accent1"/>
+          </a:effectRef>
+          <a:fontRef idx="minor">
+            <a:schemeClr val="lt1"/>
+          </a:fontRef>
+        </p:style>
+        <p:txBody>
+          <a:bodyPr rtlCol="0" anchor="t"/>
+          <a:lstStyle>
+            <a:defPPr>
+              <a:defRPr lang="ja-JP"/>
+            </a:defPPr>
+            <a:lvl1pPr marL="0" indent="0" algn="just" eaLnBrk="1" hangingPunct="1">
+              <a:lnSpc>
+                <a:spcPct val="120000"/>
+              </a:lnSpc>
+              <a:spcBef>
+                <a:spcPts val="1200"/>
+              </a:spcBef>
+              <a:buNone/>
+              <a:defRPr sz="1800" kern="0">
+                <a:latin typeface="メイリオ" panose="020B0604030504040204" pitchFamily="50" charset="-128"/>
+                <a:ea typeface="メイリオ" panose="020B0604030504040204" pitchFamily="50" charset="-128"/>
+                <a:cs typeface="メイリオ" panose="020B0604030504040204" pitchFamily="50" charset="-128"/>
+              </a:defRPr>
+            </a:lvl1pPr>
+            <a:lvl2pPr>
+              <a:defRPr>
+                <a:solidFill>
+                  <a:schemeClr val="lt1"/>
+                </a:solidFill>
+                <a:latin typeface="+mn-lt"/>
+                <a:ea typeface="+mn-ea"/>
+              </a:defRPr>
+            </a:lvl2pPr>
+            <a:lvl3pPr>
+              <a:defRPr>
+                <a:solidFill>
+                  <a:schemeClr val="lt1"/>
+                </a:solidFill>
+                <a:latin typeface="+mn-lt"/>
+                <a:ea typeface="+mn-ea"/>
+              </a:defRPr>
+            </a:lvl3pPr>
+            <a:lvl4pPr>
+              <a:defRPr>
+                <a:solidFill>
+                  <a:schemeClr val="lt1"/>
+                </a:solidFill>
+                <a:latin typeface="+mn-lt"/>
+                <a:ea typeface="+mn-ea"/>
+              </a:defRPr>
+            </a:lvl4pPr>
+            <a:lvl5pPr>
+              <a:defRPr>
+                <a:solidFill>
+                  <a:schemeClr val="lt1"/>
+                </a:solidFill>
+                <a:latin typeface="+mn-lt"/>
+                <a:ea typeface="+mn-ea"/>
+              </a:defRPr>
+            </a:lvl5pPr>
+            <a:lvl6pPr>
+              <a:defRPr>
+                <a:solidFill>
+                  <a:schemeClr val="lt1"/>
+                </a:solidFill>
+                <a:latin typeface="+mn-lt"/>
+                <a:ea typeface="+mn-ea"/>
+              </a:defRPr>
+            </a:lvl6pPr>
+            <a:lvl7pPr>
+              <a:defRPr>
+                <a:solidFill>
+                  <a:schemeClr val="lt1"/>
+                </a:solidFill>
+                <a:latin typeface="+mn-lt"/>
+                <a:ea typeface="+mn-ea"/>
+              </a:defRPr>
+            </a:lvl7pPr>
+            <a:lvl8pPr>
+              <a:defRPr>
+                <a:solidFill>
+                  <a:schemeClr val="lt1"/>
+                </a:solidFill>
+                <a:latin typeface="+mn-lt"/>
+                <a:ea typeface="+mn-ea"/>
+              </a:defRPr>
+            </a:lvl8pPr>
+            <a:lvl9pPr>
+              <a:defRPr>
+                <a:solidFill>
+                  <a:schemeClr val="lt1"/>
+                </a:solidFill>
+                <a:latin typeface="+mn-lt"/>
+                <a:ea typeface="+mn-ea"/>
+              </a:defRPr>
+            </a:lvl9pPr>
+          </a:lstStyle>
+          <a:p>
+            <a:pPr marL="171450" indent="-171450">
+              <a:spcBef>
+                <a:spcPts val="600"/>
+              </a:spcBef>
+              <a:buFont typeface="Arial" panose="020B0604020202020204" pitchFamily="34" charset="0"/>
+              <a:buChar char="•"/>
+            </a:pPr>
+            <a:r>
+              <a:rPr lang="ja-JP" altLang="en-US" sz="1050" dirty="0">
+                <a:solidFill>
+                  <a:schemeClr val="tx1"/>
+                </a:solidFill>
+              </a:rPr>
+              <a:t>親</a:t>
+            </a:r>
+            <a:r>
+              <a:rPr lang="ja-JP" altLang="en-US" sz="1050" dirty="0" smtClean="0">
+                <a:solidFill>
+                  <a:schemeClr val="tx1"/>
+                </a:solidFill>
+              </a:rPr>
+              <a:t>タブとなる</a:t>
+            </a:r>
+            <a:r>
+              <a:rPr lang="en-US" altLang="ja-JP" sz="1050" dirty="0" err="1" smtClean="0">
+                <a:solidFill>
+                  <a:schemeClr val="tx1"/>
+                </a:solidFill>
+              </a:rPr>
+              <a:t>JP_MatrixWindow</a:t>
+            </a:r>
+            <a:r>
+              <a:rPr lang="ja-JP" altLang="en-US" sz="1050" dirty="0" smtClean="0">
+                <a:solidFill>
+                  <a:schemeClr val="tx1"/>
+                </a:solidFill>
+              </a:rPr>
+              <a:t>テーブルのインスタンス</a:t>
+            </a:r>
+            <a:r>
+              <a:rPr lang="en-US" altLang="ja-JP" sz="1050" dirty="0" smtClean="0">
+                <a:solidFill>
+                  <a:schemeClr val="tx1"/>
+                </a:solidFill>
+              </a:rPr>
+              <a:t>(</a:t>
+            </a:r>
+            <a:r>
+              <a:rPr lang="en-US" altLang="ja-JP" sz="1050" dirty="0" err="1" smtClean="0">
+                <a:solidFill>
+                  <a:schemeClr val="tx1"/>
+                </a:solidFill>
+              </a:rPr>
+              <a:t>MMatrixWindow</a:t>
+            </a:r>
+            <a:r>
+              <a:rPr lang="ja-JP" altLang="en-US" sz="1050" dirty="0" smtClean="0">
+                <a:solidFill>
+                  <a:schemeClr val="tx1"/>
+                </a:solidFill>
+              </a:rPr>
+              <a:t>クラスのインスタンス</a:t>
+            </a:r>
+            <a:r>
+              <a:rPr lang="en-US" altLang="ja-JP" sz="1050" dirty="0" smtClean="0">
+                <a:solidFill>
+                  <a:schemeClr val="tx1"/>
+                </a:solidFill>
+              </a:rPr>
+              <a:t>)</a:t>
+            </a:r>
+            <a:r>
+              <a:rPr lang="ja-JP" altLang="en-US" sz="1050" dirty="0" smtClean="0">
+                <a:solidFill>
+                  <a:schemeClr val="tx1"/>
+                </a:solidFill>
+              </a:rPr>
+              <a:t>が取得できる</a:t>
+            </a:r>
+            <a:r>
+              <a:rPr lang="en-US" altLang="ja-JP" sz="1050" dirty="0" smtClean="0">
+                <a:solidFill>
+                  <a:schemeClr val="tx1"/>
+                </a:solidFill>
+              </a:rPr>
+              <a:t>Getter</a:t>
+            </a:r>
+            <a:r>
+              <a:rPr lang="ja-JP" altLang="en-US" sz="1050" dirty="0" smtClean="0">
+                <a:solidFill>
+                  <a:schemeClr val="tx1"/>
+                </a:solidFill>
+              </a:rPr>
+              <a:t>メソッド。</a:t>
+            </a:r>
+            <a:endParaRPr lang="en-US" altLang="ja-JP" sz="1050" dirty="0" smtClean="0">
+              <a:solidFill>
+                <a:schemeClr val="tx1"/>
+              </a:solidFill>
+            </a:endParaRPr>
+          </a:p>
+        </p:txBody>
+      </p:sp>
+    </p:spTree>
+    <p:extLst>
+      <p:ext uri="{BB962C8B-B14F-4D97-AF65-F5344CB8AC3E}">
+        <p14:creationId xmlns:p14="http://schemas.microsoft.com/office/powerpoint/2010/main" val="724132796"/>
+      </p:ext>
+    </p:extLst>
+  </p:cSld>
+  <p:clrMapOvr>
+    <a:masterClrMapping/>
+  </p:clrMapOvr>
+</p:sld>
+</file>
+
+<file path=ppt/slides/slide21.xml><?xml version="1.0" encoding="utf-8"?>
 <p:sld xmlns:a="http://schemas.openxmlformats.org/drawingml/2006/main" xmlns:r="http://schemas.openxmlformats.org/officeDocument/2006/relationships" xmlns:p="http://schemas.openxmlformats.org/presentationml/2006/main">
   <p:cSld>
     <p:spTree>
@@ -32516,7 +33278,7 @@
 </p:sld>
 </file>
 
-<file path=ppt/slides/slide21.xml><?xml version="1.0" encoding="utf-8"?>
+<file path=ppt/slides/slide22.xml><?xml version="1.0" encoding="utf-8"?>
 <p:sld xmlns:a="http://schemas.openxmlformats.org/drawingml/2006/main" xmlns:r="http://schemas.openxmlformats.org/officeDocument/2006/relationships" xmlns:p="http://schemas.openxmlformats.org/presentationml/2006/main">
   <p:cSld>
     <p:spTree>
@@ -33492,7 +34254,7 @@
 </p:sld>
 </file>
 
-<file path=ppt/slides/slide22.xml><?xml version="1.0" encoding="utf-8"?>
+<file path=ppt/slides/slide23.xml><?xml version="1.0" encoding="utf-8"?>
 <p:sld xmlns:a="http://schemas.openxmlformats.org/drawingml/2006/main" xmlns:r="http://schemas.openxmlformats.org/officeDocument/2006/relationships" xmlns:p="http://schemas.openxmlformats.org/presentationml/2006/main">
   <p:cSld>
     <p:spTree>
@@ -38375,7 +39137,7 @@
 </p:sld>
 </file>
 
-<file path=ppt/slides/slide23.xml><?xml version="1.0" encoding="utf-8"?>
+<file path=ppt/slides/slide24.xml><?xml version="1.0" encoding="utf-8"?>
 <p:sld xmlns:a="http://schemas.openxmlformats.org/drawingml/2006/main" xmlns:r="http://schemas.openxmlformats.org/officeDocument/2006/relationships" xmlns:p="http://schemas.openxmlformats.org/presentationml/2006/main">
   <p:cSld>
     <p:spTree>
@@ -55548,11 +56310,6 @@
               </a:rPr>
               <a:t>To create Matrix Window, you need to preparations is advance.</a:t>
             </a:r>
-            <a:endParaRPr lang="en-US" altLang="ja-JP" sz="1600" dirty="0" smtClean="0">
-              <a:solidFill>
-                <a:schemeClr val="tx1"/>
-              </a:solidFill>
-            </a:endParaRPr>
           </a:p>
         </p:txBody>
       </p:sp>
@@ -55872,11 +56629,6 @@
               </a:rPr>
               <a:t>the reference(Display Type) of the column need to "ID"</a:t>
             </a:r>
-            <a:endParaRPr lang="en-US" altLang="ja-JP" sz="1400" dirty="0">
-              <a:solidFill>
-                <a:schemeClr val="tx1"/>
-              </a:solidFill>
-            </a:endParaRPr>
           </a:p>
         </p:txBody>
       </p:sp>
@@ -55941,14 +56693,6 @@
               </a:rPr>
               <a:t>Create the Window</a:t>
             </a:r>
-            <a:endParaRPr lang="en-US" altLang="ja-JP" sz="1600" b="1" dirty="0" smtClean="0">
-              <a:solidFill>
-                <a:schemeClr val="tx1"/>
-              </a:solidFill>
-              <a:latin typeface="メイリオ" panose="020B0604030504040204" pitchFamily="50" charset="-128"/>
-              <a:ea typeface="メイリオ" panose="020B0604030504040204" pitchFamily="50" charset="-128"/>
-              <a:cs typeface="メイリオ" panose="020B0604030504040204" pitchFamily="50" charset="-128"/>
-            </a:endParaRPr>
           </a:p>
         </p:txBody>
       </p:sp>
@@ -56079,14 +56823,6 @@
               </a:rPr>
               <a:t>Appropriate unique constraint</a:t>
             </a:r>
-            <a:endParaRPr lang="en-US" altLang="ja-JP" sz="1600" b="1" dirty="0" smtClean="0">
-              <a:solidFill>
-                <a:schemeClr val="tx1"/>
-              </a:solidFill>
-              <a:latin typeface="メイリオ" panose="020B0604030504040204" pitchFamily="50" charset="-128"/>
-              <a:ea typeface="メイリオ" panose="020B0604030504040204" pitchFamily="50" charset="-128"/>
-              <a:cs typeface="メイリオ" panose="020B0604030504040204" pitchFamily="50" charset="-128"/>
-            </a:endParaRPr>
           </a:p>
         </p:txBody>
       </p:sp>
